--- a/courses/sysprog/slides/lec10-adt.pptx
+++ b/courses/sysprog/slides/lec10-adt.pptx
@@ -5885,10 +5885,22 @@
               <a:buNone/>
             </a:pPr>
             <a:r>
-              <a:rPr lang="en-US" altLang="zh-CN" sz="2000" b="1">
-                <a:latin typeface="Courier New" panose="02070309020205020404" pitchFamily="49" charset="0"/>
-              </a:rPr>
-              <a:t>// In file “complex.h”:</a:t>
+              <a:rPr lang="en-US" altLang="zh-CN" sz="2000" b="1" dirty="0">
+                <a:latin typeface="Courier New" panose="02070309020205020404" pitchFamily="49" charset="0"/>
+              </a:rPr>
+              <a:t>// In file “</a:t>
+            </a:r>
+            <a:r>
+              <a:rPr lang="en-US" altLang="zh-CN" sz="2000" b="1" dirty="0" err="1">
+                <a:latin typeface="Courier New" panose="02070309020205020404" pitchFamily="49" charset="0"/>
+              </a:rPr>
+              <a:t>complex.h</a:t>
+            </a:r>
+            <a:r>
+              <a:rPr lang="en-US" altLang="zh-CN" sz="2000" b="1" dirty="0">
+                <a:latin typeface="Courier New" panose="02070309020205020404" pitchFamily="49" charset="0"/>
+              </a:rPr>
+              <a:t>”:</a:t>
             </a:r>
           </a:p>
           <a:p>
@@ -5900,13 +5912,31 @@
               <a:buNone/>
             </a:pPr>
             <a:r>
-              <a:rPr lang="en-US" altLang="zh-CN" sz="2000" b="1">
-                <a:solidFill>
-                  <a:schemeClr val="folHlink"/>
-                </a:solidFill>
-                <a:latin typeface="Courier New" panose="02070309020205020404" pitchFamily="49" charset="0"/>
-              </a:rPr>
-              <a:t>#ifndef COMPLEX_H</a:t>
+              <a:rPr lang="en-US" altLang="zh-CN" sz="2000" b="1" dirty="0">
+                <a:solidFill>
+                  <a:schemeClr val="folHlink"/>
+                </a:solidFill>
+                <a:latin typeface="Courier New" panose="02070309020205020404" pitchFamily="49" charset="0"/>
+              </a:rPr>
+              <a:t>#</a:t>
+            </a:r>
+            <a:r>
+              <a:rPr lang="en-US" altLang="zh-CN" sz="2000" b="1" dirty="0" err="1">
+                <a:solidFill>
+                  <a:schemeClr val="folHlink"/>
+                </a:solidFill>
+                <a:latin typeface="Courier New" panose="02070309020205020404" pitchFamily="49" charset="0"/>
+              </a:rPr>
+              <a:t>ifndef</a:t>
+            </a:r>
+            <a:r>
+              <a:rPr lang="en-US" altLang="zh-CN" sz="2000" b="1" dirty="0">
+                <a:solidFill>
+                  <a:schemeClr val="folHlink"/>
+                </a:solidFill>
+                <a:latin typeface="Courier New" panose="02070309020205020404" pitchFamily="49" charset="0"/>
+              </a:rPr>
+              <a:t> COMPLEX_H</a:t>
             </a:r>
           </a:p>
           <a:p>
@@ -5918,7 +5948,7 @@
               <a:buNone/>
             </a:pPr>
             <a:r>
-              <a:rPr lang="en-US" altLang="zh-CN" sz="2000" b="1">
+              <a:rPr lang="en-US" altLang="zh-CN" sz="2000" b="1" dirty="0">
                 <a:solidFill>
                   <a:schemeClr val="folHlink"/>
                 </a:solidFill>
@@ -5935,7 +5965,7 @@
               <a:buFont typeface="Wingdings" panose="05000000000000000000" pitchFamily="2" charset="2"/>
               <a:buNone/>
             </a:pPr>
-            <a:endParaRPr lang="en-US" altLang="zh-CN" sz="2000" b="1">
+            <a:endParaRPr lang="en-US" altLang="zh-CN" sz="2000" b="1" dirty="0">
               <a:solidFill>
                 <a:schemeClr val="folHlink"/>
               </a:solidFill>
@@ -5951,10 +5981,22 @@
               <a:buNone/>
             </a:pPr>
             <a:r>
-              <a:rPr lang="en-US" altLang="zh-CN" sz="2000" b="1">
-                <a:latin typeface="Courier New" panose="02070309020205020404" pitchFamily="49" charset="0"/>
-              </a:rPr>
-              <a:t>// note that “struct complexStruct” not given</a:t>
+              <a:rPr lang="en-US" altLang="zh-CN" sz="2000" b="1" dirty="0">
+                <a:latin typeface="Courier New" panose="02070309020205020404" pitchFamily="49" charset="0"/>
+              </a:rPr>
+              <a:t>// note that “struct </a:t>
+            </a:r>
+            <a:r>
+              <a:rPr lang="en-US" altLang="zh-CN" sz="2000" b="1" dirty="0" err="1">
+                <a:latin typeface="Courier New" panose="02070309020205020404" pitchFamily="49" charset="0"/>
+              </a:rPr>
+              <a:t>complexStruct</a:t>
+            </a:r>
+            <a:r>
+              <a:rPr lang="en-US" altLang="zh-CN" sz="2000" b="1" dirty="0">
+                <a:latin typeface="Courier New" panose="02070309020205020404" pitchFamily="49" charset="0"/>
+              </a:rPr>
+              <a:t>” not given</a:t>
             </a:r>
           </a:p>
           <a:p>
@@ -5966,13 +6008,49 @@
               <a:buNone/>
             </a:pPr>
             <a:r>
-              <a:rPr lang="en-US" altLang="zh-CN" sz="2000" b="1">
-                <a:solidFill>
-                  <a:schemeClr val="folHlink"/>
-                </a:solidFill>
-                <a:latin typeface="Courier New" panose="02070309020205020404" pitchFamily="49" charset="0"/>
-              </a:rPr>
-              <a:t>typedef struct Complex_t *Complex_t;</a:t>
+              <a:rPr lang="en-US" altLang="zh-CN" sz="2000" b="1" dirty="0">
+                <a:solidFill>
+                  <a:schemeClr val="folHlink"/>
+                </a:solidFill>
+                <a:latin typeface="Courier New" panose="02070309020205020404" pitchFamily="49" charset="0"/>
+              </a:rPr>
+              <a:t>typedef struct </a:t>
+            </a:r>
+            <a:r>
+              <a:rPr lang="en-US" altLang="zh-CN" sz="2000" b="1" dirty="0" err="1">
+                <a:solidFill>
+                  <a:schemeClr val="folHlink"/>
+                </a:solidFill>
+                <a:latin typeface="Courier New" panose="02070309020205020404" pitchFamily="49" charset="0"/>
+              </a:rPr>
+              <a:t>Complex_t</a:t>
+            </a:r>
+            <a:r>
+              <a:rPr lang="en-US" altLang="zh-CN" sz="2000" b="1" dirty="0">
+                <a:solidFill>
+                  <a:schemeClr val="folHlink"/>
+                </a:solidFill>
+                <a:latin typeface="Courier New" panose="02070309020205020404" pitchFamily="49" charset="0"/>
+              </a:rPr>
+              <a:t> *</a:t>
+            </a:r>
+            <a:r>
+              <a:rPr lang="en-US" altLang="zh-CN" sz="2000" b="1" dirty="0" err="1">
+                <a:solidFill>
+                  <a:schemeClr val="folHlink"/>
+                </a:solidFill>
+                <a:latin typeface="Courier New" panose="02070309020205020404" pitchFamily="49" charset="0"/>
+              </a:rPr>
+              <a:t>Complex_t</a:t>
+            </a:r>
+            <a:r>
+              <a:rPr lang="en-US" altLang="zh-CN" sz="2000" b="1" dirty="0">
+                <a:solidFill>
+                  <a:schemeClr val="folHlink"/>
+                </a:solidFill>
+                <a:latin typeface="Courier New" panose="02070309020205020404" pitchFamily="49" charset="0"/>
+              </a:rPr>
+              <a:t>;</a:t>
             </a:r>
           </a:p>
           <a:p>
@@ -5983,7 +6061,7 @@
               <a:buFont typeface="Wingdings" panose="05000000000000000000" pitchFamily="2" charset="2"/>
               <a:buNone/>
             </a:pPr>
-            <a:endParaRPr lang="en-US" altLang="zh-CN" sz="2000" b="1">
+            <a:endParaRPr lang="en-US" altLang="zh-CN" sz="2000" b="1" dirty="0">
               <a:solidFill>
                 <a:schemeClr val="folHlink"/>
               </a:solidFill>
@@ -5999,13 +6077,40 @@
               <a:buNone/>
             </a:pPr>
             <a:r>
-              <a:rPr lang="en-US" altLang="zh-CN" sz="2000" b="1">
-                <a:solidFill>
-                  <a:schemeClr val="folHlink"/>
-                </a:solidFill>
-                <a:latin typeface="Courier New" panose="02070309020205020404" pitchFamily="49" charset="0"/>
-              </a:rPr>
-              <a:t>Complex_t Complex_new (double x, double y);</a:t>
+              <a:rPr lang="en-US" altLang="zh-CN" sz="2000" b="1" dirty="0" err="1">
+                <a:solidFill>
+                  <a:schemeClr val="folHlink"/>
+                </a:solidFill>
+                <a:latin typeface="Courier New" panose="02070309020205020404" pitchFamily="49" charset="0"/>
+              </a:rPr>
+              <a:t>Complex_t</a:t>
+            </a:r>
+            <a:r>
+              <a:rPr lang="en-US" altLang="zh-CN" sz="2000" b="1" dirty="0">
+                <a:solidFill>
+                  <a:schemeClr val="folHlink"/>
+                </a:solidFill>
+                <a:latin typeface="Courier New" panose="02070309020205020404" pitchFamily="49" charset="0"/>
+              </a:rPr>
+              <a:t> </a:t>
+            </a:r>
+            <a:r>
+              <a:rPr lang="en-US" altLang="zh-CN" sz="2000" b="1" dirty="0" err="1">
+                <a:solidFill>
+                  <a:schemeClr val="folHlink"/>
+                </a:solidFill>
+                <a:latin typeface="Courier New" panose="02070309020205020404" pitchFamily="49" charset="0"/>
+              </a:rPr>
+              <a:t>Complex_new</a:t>
+            </a:r>
+            <a:r>
+              <a:rPr lang="en-US" altLang="zh-CN" sz="2000" b="1" dirty="0">
+                <a:solidFill>
+                  <a:schemeClr val="folHlink"/>
+                </a:solidFill>
+                <a:latin typeface="Courier New" panose="02070309020205020404" pitchFamily="49" charset="0"/>
+              </a:rPr>
+              <a:t>(double x, double y);</a:t>
             </a:r>
           </a:p>
           <a:p>
@@ -6017,7 +6122,7 @@
               <a:buNone/>
             </a:pPr>
             <a:r>
-              <a:rPr lang="en-US" altLang="zh-CN" sz="2000" b="1">
+              <a:rPr lang="en-US" altLang="zh-CN" sz="2000" b="1" dirty="0">
                 <a:latin typeface="Courier New" panose="02070309020205020404" pitchFamily="49" charset="0"/>
               </a:rPr>
               <a:t>// other function prototypes are similar </a:t>
@@ -6032,7 +6137,7 @@
               <a:buNone/>
             </a:pPr>
             <a:r>
-              <a:rPr lang="en-US" altLang="zh-CN" sz="2000" b="1">
+              <a:rPr lang="en-US" altLang="zh-CN" sz="2000" b="1" dirty="0">
                 <a:solidFill>
                   <a:schemeClr val="folHlink"/>
                 </a:solidFill>
@@ -6049,7 +6154,7 @@
               <a:buFont typeface="Wingdings" panose="05000000000000000000" pitchFamily="2" charset="2"/>
               <a:buNone/>
             </a:pPr>
-            <a:endParaRPr lang="en-US" altLang="zh-CN" sz="2000" b="1">
+            <a:endParaRPr lang="en-US" altLang="zh-CN" sz="2000" b="1" dirty="0">
               <a:solidFill>
                 <a:schemeClr val="folHlink"/>
               </a:solidFill>
@@ -6065,7 +6170,7 @@
               <a:buNone/>
             </a:pPr>
             <a:r>
-              <a:rPr lang="en-US" altLang="zh-CN" sz="2000" b="1">
+              <a:rPr lang="en-US" altLang="zh-CN" sz="2000" b="1" dirty="0">
                 <a:solidFill>
                   <a:schemeClr val="folHlink"/>
                 </a:solidFill>
@@ -7364,7 +7469,7 @@
                 </a:solidFill>
                 <a:latin typeface="Courier New" panose="02070309020205020404" pitchFamily="49" charset="0"/>
               </a:rPr>
-              <a:t> (*c));</a:t>
+              <a:t>(*c));</a:t>
             </a:r>
           </a:p>
           <a:p>
@@ -8545,7 +8650,7 @@
               <a:buNone/>
             </a:pPr>
             <a:r>
-              <a:rPr lang="en-US" altLang="zh-CN" sz="2000" b="1">
+              <a:rPr lang="en-US" altLang="zh-CN" sz="2000" b="1" dirty="0">
                 <a:latin typeface="Courier New" panose="02070309020205020404" pitchFamily="49" charset="0"/>
               </a:rPr>
               <a:t>// Recall the definition of a complex number c:</a:t>
@@ -8560,19 +8665,73 @@
               <a:buNone/>
             </a:pPr>
             <a:r>
-              <a:rPr lang="en-US" altLang="zh-CN" sz="2000" b="1">
+              <a:rPr lang="en-US" altLang="zh-CN" sz="2000" b="1" dirty="0">
                 <a:latin typeface="Courier New" panose="02070309020205020404" pitchFamily="49" charset="0"/>
               </a:rPr>
               <a:t>   </a:t>
             </a:r>
             <a:r>
-              <a:rPr lang="en-US" altLang="zh-CN" sz="2000" b="1">
-                <a:solidFill>
-                  <a:schemeClr val="folHlink"/>
-                </a:solidFill>
-                <a:latin typeface="Courier New" panose="02070309020205020404" pitchFamily="49" charset="0"/>
-              </a:rPr>
-              <a:t>c = x + yi, where x,y \in R, and i=sqrt(-1);</a:t>
+              <a:rPr lang="en-US" altLang="zh-CN" sz="2000" b="1" dirty="0">
+                <a:solidFill>
+                  <a:schemeClr val="folHlink"/>
+                </a:solidFill>
+                <a:latin typeface="Courier New" panose="02070309020205020404" pitchFamily="49" charset="0"/>
+              </a:rPr>
+              <a:t>c = x + </a:t>
+            </a:r>
+            <a:r>
+              <a:rPr lang="en-US" altLang="zh-CN" sz="2000" b="1" dirty="0" err="1">
+                <a:solidFill>
+                  <a:schemeClr val="folHlink"/>
+                </a:solidFill>
+                <a:latin typeface="Courier New" panose="02070309020205020404" pitchFamily="49" charset="0"/>
+              </a:rPr>
+              <a:t>yi</a:t>
+            </a:r>
+            <a:r>
+              <a:rPr lang="en-US" altLang="zh-CN" sz="2000" b="1" dirty="0">
+                <a:solidFill>
+                  <a:schemeClr val="folHlink"/>
+                </a:solidFill>
+                <a:latin typeface="Courier New" panose="02070309020205020404" pitchFamily="49" charset="0"/>
+              </a:rPr>
+              <a:t>, where </a:t>
+            </a:r>
+            <a:r>
+              <a:rPr lang="en-US" altLang="zh-CN" sz="2000" b="1" dirty="0" err="1">
+                <a:solidFill>
+                  <a:schemeClr val="folHlink"/>
+                </a:solidFill>
+                <a:latin typeface="Courier New" panose="02070309020205020404" pitchFamily="49" charset="0"/>
+              </a:rPr>
+              <a:t>x,y</a:t>
+            </a:r>
+            <a:r>
+              <a:rPr lang="en-US" altLang="zh-CN" sz="2000" b="1" dirty="0">
+                <a:solidFill>
+                  <a:schemeClr val="folHlink"/>
+                </a:solidFill>
+                <a:latin typeface="Courier New" panose="02070309020205020404" pitchFamily="49" charset="0"/>
+              </a:rPr>
+              <a:t> \in R, and </a:t>
+            </a:r>
+            <a:r>
+              <a:rPr lang="en-US" altLang="zh-CN" sz="2000" b="1" dirty="0" err="1">
+                <a:solidFill>
+                  <a:schemeClr val="folHlink"/>
+                </a:solidFill>
+                <a:latin typeface="Courier New" panose="02070309020205020404" pitchFamily="49" charset="0"/>
+              </a:rPr>
+              <a:t>i</a:t>
+            </a:r>
+            <a:r>
+              <a:rPr lang="en-US" altLang="zh-CN" sz="2000" b="1" dirty="0">
+                <a:solidFill>
+                  <a:schemeClr val="folHlink"/>
+                </a:solidFill>
+                <a:latin typeface="Courier New" panose="02070309020205020404" pitchFamily="49" charset="0"/>
+              </a:rPr>
+              <a:t>=sqrt(-1);</a:t>
             </a:r>
           </a:p>
           <a:p>
@@ -8583,7 +8742,7 @@
               <a:buFont typeface="Wingdings" panose="05000000000000000000" pitchFamily="2" charset="2"/>
               <a:buNone/>
             </a:pPr>
-            <a:endParaRPr lang="en-US" altLang="zh-CN" sz="2000" b="1">
+            <a:endParaRPr lang="en-US" altLang="zh-CN" sz="2000" b="1" dirty="0">
               <a:solidFill>
                 <a:schemeClr val="folHlink"/>
               </a:solidFill>
@@ -8599,7 +8758,7 @@
               <a:buNone/>
             </a:pPr>
             <a:r>
-              <a:rPr lang="en-US" altLang="zh-CN" sz="2000" b="1">
+              <a:rPr lang="en-US" altLang="zh-CN" sz="2000" b="1" dirty="0">
                 <a:latin typeface="Courier New" panose="02070309020205020404" pitchFamily="49" charset="0"/>
               </a:rPr>
               <a:t>// Some typical operations:</a:t>
@@ -8614,13 +8773,31 @@
               <a:buNone/>
             </a:pPr>
             <a:r>
-              <a:rPr lang="en-US" altLang="zh-CN" sz="2000" b="1">
-                <a:solidFill>
-                  <a:schemeClr val="folHlink"/>
-                </a:solidFill>
-                <a:latin typeface="Courier New" panose="02070309020205020404" pitchFamily="49" charset="0"/>
-              </a:rPr>
-              <a:t>complex Complex_new (double x, double y);</a:t>
+              <a:rPr lang="en-US" altLang="zh-CN" sz="2000" b="1" dirty="0">
+                <a:solidFill>
+                  <a:schemeClr val="folHlink"/>
+                </a:solidFill>
+                <a:latin typeface="Courier New" panose="02070309020205020404" pitchFamily="49" charset="0"/>
+              </a:rPr>
+              <a:t>complex </a:t>
+            </a:r>
+            <a:r>
+              <a:rPr lang="en-US" altLang="zh-CN" sz="2000" b="1" dirty="0" err="1">
+                <a:solidFill>
+                  <a:schemeClr val="folHlink"/>
+                </a:solidFill>
+                <a:latin typeface="Courier New" panose="02070309020205020404" pitchFamily="49" charset="0"/>
+              </a:rPr>
+              <a:t>Complex_new</a:t>
+            </a:r>
+            <a:r>
+              <a:rPr lang="en-US" altLang="zh-CN" sz="2000" b="1" dirty="0">
+                <a:solidFill>
+                  <a:schemeClr val="folHlink"/>
+                </a:solidFill>
+                <a:latin typeface="Courier New" panose="02070309020205020404" pitchFamily="49" charset="0"/>
+              </a:rPr>
+              <a:t>(double x, double y);</a:t>
             </a:r>
           </a:p>
           <a:p>
@@ -8632,13 +8809,31 @@
               <a:buNone/>
             </a:pPr>
             <a:r>
-              <a:rPr lang="en-US" altLang="zh-CN" sz="2000" b="1">
-                <a:solidFill>
-                  <a:schemeClr val="folHlink"/>
-                </a:solidFill>
-                <a:latin typeface="Courier New" panose="02070309020205020404" pitchFamily="49" charset="0"/>
-              </a:rPr>
-              <a:t>complex Complex_add (complex c1, complex c2); </a:t>
+              <a:rPr lang="en-US" altLang="zh-CN" sz="2000" b="1" dirty="0">
+                <a:solidFill>
+                  <a:schemeClr val="folHlink"/>
+                </a:solidFill>
+                <a:latin typeface="Courier New" panose="02070309020205020404" pitchFamily="49" charset="0"/>
+              </a:rPr>
+              <a:t>complex </a:t>
+            </a:r>
+            <a:r>
+              <a:rPr lang="en-US" altLang="zh-CN" sz="2000" b="1" dirty="0" err="1">
+                <a:solidFill>
+                  <a:schemeClr val="folHlink"/>
+                </a:solidFill>
+                <a:latin typeface="Courier New" panose="02070309020205020404" pitchFamily="49" charset="0"/>
+              </a:rPr>
+              <a:t>Complex_add</a:t>
+            </a:r>
+            <a:r>
+              <a:rPr lang="en-US" altLang="zh-CN" sz="2000" b="1" dirty="0">
+                <a:solidFill>
+                  <a:schemeClr val="folHlink"/>
+                </a:solidFill>
+                <a:latin typeface="Courier New" panose="02070309020205020404" pitchFamily="49" charset="0"/>
+              </a:rPr>
+              <a:t>(complex c1, complex c2); </a:t>
             </a:r>
           </a:p>
           <a:p>
@@ -8650,13 +8845,31 @@
               <a:buNone/>
             </a:pPr>
             <a:r>
-              <a:rPr lang="en-US" altLang="zh-CN" sz="2000" b="1">
-                <a:solidFill>
-                  <a:schemeClr val="folHlink"/>
-                </a:solidFill>
-                <a:latin typeface="Courier New" panose="02070309020205020404" pitchFamily="49" charset="0"/>
-              </a:rPr>
-              <a:t>complex Complex_sub (complex c1, complex c2);</a:t>
+              <a:rPr lang="en-US" altLang="zh-CN" sz="2000" b="1" dirty="0">
+                <a:solidFill>
+                  <a:schemeClr val="folHlink"/>
+                </a:solidFill>
+                <a:latin typeface="Courier New" panose="02070309020205020404" pitchFamily="49" charset="0"/>
+              </a:rPr>
+              <a:t>complex </a:t>
+            </a:r>
+            <a:r>
+              <a:rPr lang="en-US" altLang="zh-CN" sz="2000" b="1" dirty="0" err="1">
+                <a:solidFill>
+                  <a:schemeClr val="folHlink"/>
+                </a:solidFill>
+                <a:latin typeface="Courier New" panose="02070309020205020404" pitchFamily="49" charset="0"/>
+              </a:rPr>
+              <a:t>Complex_sub</a:t>
+            </a:r>
+            <a:r>
+              <a:rPr lang="en-US" altLang="zh-CN" sz="2000" b="1" dirty="0">
+                <a:solidFill>
+                  <a:schemeClr val="folHlink"/>
+                </a:solidFill>
+                <a:latin typeface="Courier New" panose="02070309020205020404" pitchFamily="49" charset="0"/>
+              </a:rPr>
+              <a:t>(complex c1, complex c2);</a:t>
             </a:r>
           </a:p>
           <a:p>
@@ -8668,13 +8881,31 @@
               <a:buNone/>
             </a:pPr>
             <a:r>
-              <a:rPr lang="en-US" altLang="zh-CN" sz="2000" b="1">
-                <a:solidFill>
-                  <a:schemeClr val="folHlink"/>
-                </a:solidFill>
-                <a:latin typeface="Courier New" panose="02070309020205020404" pitchFamily="49" charset="0"/>
-              </a:rPr>
-              <a:t>complex Complex_mult (complex c1, complex c2);</a:t>
+              <a:rPr lang="en-US" altLang="zh-CN" sz="2000" b="1" dirty="0">
+                <a:solidFill>
+                  <a:schemeClr val="folHlink"/>
+                </a:solidFill>
+                <a:latin typeface="Courier New" panose="02070309020205020404" pitchFamily="49" charset="0"/>
+              </a:rPr>
+              <a:t>complex </a:t>
+            </a:r>
+            <a:r>
+              <a:rPr lang="en-US" altLang="zh-CN" sz="2000" b="1" dirty="0" err="1">
+                <a:solidFill>
+                  <a:schemeClr val="folHlink"/>
+                </a:solidFill>
+                <a:latin typeface="Courier New" panose="02070309020205020404" pitchFamily="49" charset="0"/>
+              </a:rPr>
+              <a:t>Complex_mult</a:t>
+            </a:r>
+            <a:r>
+              <a:rPr lang="en-US" altLang="zh-CN" sz="2000" b="1" dirty="0">
+                <a:solidFill>
+                  <a:schemeClr val="folHlink"/>
+                </a:solidFill>
+                <a:latin typeface="Courier New" panose="02070309020205020404" pitchFamily="49" charset="0"/>
+              </a:rPr>
+              <a:t>(complex c1, complex c2);</a:t>
             </a:r>
           </a:p>
           <a:p>
@@ -8686,13 +8917,31 @@
               <a:buNone/>
             </a:pPr>
             <a:r>
-              <a:rPr lang="en-US" altLang="zh-CN" sz="2000" b="1">
-                <a:solidFill>
-                  <a:schemeClr val="folHlink"/>
-                </a:solidFill>
-                <a:latin typeface="Courier New" panose="02070309020205020404" pitchFamily="49" charset="0"/>
-              </a:rPr>
-              <a:t>complex Complex_divide (complex c1, complex c2);</a:t>
+              <a:rPr lang="en-US" altLang="zh-CN" sz="2000" b="1" dirty="0">
+                <a:solidFill>
+                  <a:schemeClr val="folHlink"/>
+                </a:solidFill>
+                <a:latin typeface="Courier New" panose="02070309020205020404" pitchFamily="49" charset="0"/>
+              </a:rPr>
+              <a:t>complex </a:t>
+            </a:r>
+            <a:r>
+              <a:rPr lang="en-US" altLang="zh-CN" sz="2000" b="1" dirty="0" err="1">
+                <a:solidFill>
+                  <a:schemeClr val="folHlink"/>
+                </a:solidFill>
+                <a:latin typeface="Courier New" panose="02070309020205020404" pitchFamily="49" charset="0"/>
+              </a:rPr>
+              <a:t>Complex_divide</a:t>
+            </a:r>
+            <a:r>
+              <a:rPr lang="en-US" altLang="zh-CN" sz="2000" b="1" dirty="0">
+                <a:solidFill>
+                  <a:schemeClr val="folHlink"/>
+                </a:solidFill>
+                <a:latin typeface="Courier New" panose="02070309020205020404" pitchFamily="49" charset="0"/>
+              </a:rPr>
+              <a:t>(complex c1, complex c2);</a:t>
             </a:r>
           </a:p>
           <a:p>
@@ -8704,7 +8953,7 @@
               <a:buNone/>
             </a:pPr>
             <a:r>
-              <a:rPr lang="en-US" altLang="zh-CN" sz="2000" b="1">
+              <a:rPr lang="en-US" altLang="zh-CN" sz="2000" b="1" dirty="0">
                 <a:latin typeface="Courier New" panose="02070309020205020404" pitchFamily="49" charset="0"/>
               </a:rPr>
               <a:t>// Next, we’d discuss several variants of rep’s:</a:t>
@@ -8719,7 +8968,7 @@
               <a:buNone/>
             </a:pPr>
             <a:r>
-              <a:rPr lang="en-US" altLang="zh-CN" sz="2000" b="1">
+              <a:rPr lang="en-US" altLang="zh-CN" sz="2000" b="1" dirty="0">
                 <a:latin typeface="Courier New" panose="02070309020205020404" pitchFamily="49" charset="0"/>
               </a:rPr>
               <a:t>// CDT, ADT.</a:t>
@@ -9236,7 +9485,7 @@
                 </a:solidFill>
                 <a:latin typeface="Courier New" panose="02070309020205020404" pitchFamily="49" charset="0"/>
               </a:rPr>
-              <a:t> (double x, double y);</a:t>
+              <a:t>(double x, double y);</a:t>
             </a:r>
           </a:p>
           <a:p>

--- a/courses/sysprog/slides/lec10-adt.pptx
+++ b/courses/sysprog/slides/lec10-adt.pptx
@@ -4608,7 +4608,7 @@
             <a:r>
               <a:rPr lang="en-US" altLang="zh-CN" sz="2000" b="1" dirty="0">
                 <a:solidFill>
-                  <a:schemeClr val="folHlink"/>
+                  <a:srgbClr val="0432FF"/>
                 </a:solidFill>
                 <a:latin typeface="Courier New" panose="02070309020205020404" pitchFamily="49" charset="0"/>
               </a:rPr>
@@ -4617,7 +4617,7 @@
             <a:r>
               <a:rPr lang="en-US" altLang="zh-CN" sz="2000" b="1" dirty="0" err="1">
                 <a:solidFill>
-                  <a:schemeClr val="folHlink"/>
+                  <a:srgbClr val="0432FF"/>
                 </a:solidFill>
                 <a:latin typeface="Courier New" panose="02070309020205020404" pitchFamily="49" charset="0"/>
               </a:rPr>
@@ -4626,7 +4626,7 @@
             <a:r>
               <a:rPr lang="en-US" altLang="zh-CN" sz="2000" b="1" dirty="0">
                 <a:solidFill>
-                  <a:schemeClr val="folHlink"/>
+                  <a:srgbClr val="0432FF"/>
                 </a:solidFill>
                 <a:latin typeface="Courier New" panose="02070309020205020404" pitchFamily="49" charset="0"/>
               </a:rPr>
@@ -4643,7 +4643,7 @@
             </a:pPr>
             <a:endParaRPr lang="en-US" altLang="zh-CN" sz="2000" b="1" dirty="0">
               <a:solidFill>
-                <a:schemeClr val="folHlink"/>
+                <a:srgbClr val="0432FF"/>
               </a:solidFill>
               <a:latin typeface="Courier New" panose="02070309020205020404" pitchFamily="49" charset="0"/>
             </a:endParaRPr>
@@ -4659,7 +4659,7 @@
             <a:r>
               <a:rPr lang="en-US" altLang="zh-CN" sz="2000" b="1" dirty="0" err="1">
                 <a:solidFill>
-                  <a:schemeClr val="folHlink"/>
+                  <a:srgbClr val="0432FF"/>
                 </a:solidFill>
                 <a:latin typeface="Courier New" panose="02070309020205020404" pitchFamily="49" charset="0"/>
               </a:rPr>
@@ -4668,7 +4668,7 @@
             <a:r>
               <a:rPr lang="en-US" altLang="zh-CN" sz="2000" b="1" dirty="0">
                 <a:solidFill>
-                  <a:schemeClr val="folHlink"/>
+                  <a:srgbClr val="0432FF"/>
                 </a:solidFill>
                 <a:latin typeface="Courier New" panose="02070309020205020404" pitchFamily="49" charset="0"/>
               </a:rPr>
@@ -4677,7 +4677,7 @@
             <a:r>
               <a:rPr lang="en-US" altLang="zh-CN" sz="2000" b="1" dirty="0" err="1">
                 <a:solidFill>
-                  <a:schemeClr val="folHlink"/>
+                  <a:srgbClr val="0432FF"/>
                 </a:solidFill>
                 <a:latin typeface="Courier New" panose="02070309020205020404" pitchFamily="49" charset="0"/>
               </a:rPr>
@@ -4686,7 +4686,7 @@
             <a:r>
               <a:rPr lang="en-US" altLang="zh-CN" sz="2000" b="1" dirty="0">
                 <a:solidFill>
-                  <a:schemeClr val="folHlink"/>
+                  <a:srgbClr val="0432FF"/>
                 </a:solidFill>
                 <a:latin typeface="Courier New" panose="02070309020205020404" pitchFamily="49" charset="0"/>
               </a:rPr>
@@ -4704,7 +4704,7 @@
             <a:r>
               <a:rPr lang="en-US" altLang="zh-CN" sz="2000" b="1" dirty="0">
                 <a:solidFill>
-                  <a:schemeClr val="folHlink"/>
+                  <a:srgbClr val="0432FF"/>
                 </a:solidFill>
                 <a:latin typeface="Courier New" panose="02070309020205020404" pitchFamily="49" charset="0"/>
               </a:rPr>
@@ -4713,7 +4713,7 @@
             <a:r>
               <a:rPr lang="en-US" altLang="zh-CN" sz="2000" b="1" dirty="0" err="1">
                 <a:solidFill>
-                  <a:schemeClr val="folHlink"/>
+                  <a:srgbClr val="0432FF"/>
                 </a:solidFill>
                 <a:latin typeface="Courier New" panose="02070309020205020404" pitchFamily="49" charset="0"/>
               </a:rPr>
@@ -4722,7 +4722,7 @@
             <a:r>
               <a:rPr lang="en-US" altLang="zh-CN" sz="2000" b="1" dirty="0">
                 <a:solidFill>
-                  <a:schemeClr val="folHlink"/>
+                  <a:srgbClr val="0432FF"/>
                 </a:solidFill>
                 <a:latin typeface="Courier New" panose="02070309020205020404" pitchFamily="49" charset="0"/>
               </a:rPr>
@@ -4740,7 +4740,7 @@
             <a:r>
               <a:rPr lang="en-US" altLang="zh-CN" sz="2000" b="1" dirty="0">
                 <a:solidFill>
-                  <a:schemeClr val="folHlink"/>
+                  <a:srgbClr val="0432FF"/>
                 </a:solidFill>
                 <a:latin typeface="Courier New" panose="02070309020205020404" pitchFamily="49" charset="0"/>
               </a:rPr>
@@ -4758,7 +4758,7 @@
             <a:r>
               <a:rPr lang="en-US" altLang="zh-CN" sz="2000" b="1" dirty="0">
                 <a:solidFill>
-                  <a:schemeClr val="folHlink"/>
+                  <a:srgbClr val="0432FF"/>
                 </a:solidFill>
                 <a:latin typeface="Courier New" panose="02070309020205020404" pitchFamily="49" charset="0"/>
               </a:rPr>
@@ -4776,7 +4776,7 @@
             <a:r>
               <a:rPr lang="en-US" altLang="zh-CN" sz="2000" b="1" dirty="0">
                 <a:solidFill>
-                  <a:schemeClr val="folHlink"/>
+                  <a:srgbClr val="0432FF"/>
                 </a:solidFill>
                 <a:latin typeface="Courier New" panose="02070309020205020404" pitchFamily="49" charset="0"/>
               </a:rPr>
@@ -7415,43 +7415,25 @@
                 </a:solidFill>
                 <a:latin typeface="Courier New" panose="02070309020205020404" pitchFamily="49" charset="0"/>
               </a:rPr>
-              <a:t> c;    </a:t>
-            </a:r>
-          </a:p>
-          <a:p>
-            <a:pPr>
-              <a:lnSpc>
-                <a:spcPct val="90000"/>
-              </a:lnSpc>
-              <a:buFont typeface="Wingdings" panose="05000000000000000000" pitchFamily="2" charset="2"/>
-              <a:buNone/>
-            </a:pPr>
-            <a:r>
-              <a:rPr lang="en-US" altLang="zh-CN" sz="2000" b="1" dirty="0">
-                <a:solidFill>
-                  <a:schemeClr val="folHlink"/>
-                </a:solidFill>
-                <a:latin typeface="Courier New" panose="02070309020205020404" pitchFamily="49" charset="0"/>
-              </a:rPr>
-              <a:t>	</a:t>
-            </a:r>
-          </a:p>
-          <a:p>
-            <a:pPr>
-              <a:lnSpc>
-                <a:spcPct val="90000"/>
-              </a:lnSpc>
-              <a:buFont typeface="Wingdings" panose="05000000000000000000" pitchFamily="2" charset="2"/>
-              <a:buNone/>
-            </a:pPr>
-            <a:r>
-              <a:rPr lang="en-US" altLang="zh-CN" sz="2000" b="1" dirty="0">
-                <a:solidFill>
-                  <a:schemeClr val="folHlink"/>
-                </a:solidFill>
-                <a:latin typeface="Courier New" panose="02070309020205020404" pitchFamily="49" charset="0"/>
-              </a:rPr>
-              <a:t>	c = malloc(</a:t>
+              <a:t> c</a:t>
+            </a:r>
+            <a:r>
+              <a:rPr lang="zh-CN" altLang="en-US" sz="2000" b="1" dirty="0">
+                <a:solidFill>
+                  <a:schemeClr val="folHlink"/>
+                </a:solidFill>
+                <a:latin typeface="Courier New" panose="02070309020205020404" pitchFamily="49" charset="0"/>
+              </a:rPr>
+              <a:t> </a:t>
+            </a:r>
+            <a:r>
+              <a:rPr lang="en-US" altLang="zh-CN" sz="2000" b="1" dirty="0">
+                <a:solidFill>
+                  <a:schemeClr val="folHlink"/>
+                </a:solidFill>
+                <a:latin typeface="Courier New" panose="02070309020205020404" pitchFamily="49" charset="0"/>
+              </a:rPr>
+              <a:t>= malloc(</a:t>
             </a:r>
             <a:r>
               <a:rPr lang="en-US" altLang="zh-CN" sz="2000" b="1" dirty="0" err="1">
@@ -7602,7 +7584,7 @@
                                         <p:tgtEl>
                                           <p:spTgt spid="237571">
                                             <p:txEl>
-                                              <p:pRg st="11" end="11"/>
+                                              <p:pRg st="9" end="9"/>
                                             </p:txEl>
                                           </p:spTgt>
                                         </p:tgtEl>
@@ -7620,7 +7602,7 @@
                                         <p:tgtEl>
                                           <p:spTgt spid="237571">
                                             <p:txEl>
-                                              <p:pRg st="11" end="11"/>
+                                              <p:pRg st="9" end="9"/>
                                             </p:txEl>
                                           </p:spTgt>
                                         </p:tgtEl>
@@ -7716,60 +7698,99 @@
           <a:lstStyle/>
           <a:p>
             <a:r>
-              <a:rPr lang="en-US" altLang="zh-CN"/>
-              <a:t>Yes, that</a:t>
-            </a:r>
-            <a:r>
-              <a:rPr lang="en-US" altLang="zh-CN">
+              <a:rPr lang="en-US" altLang="zh-CN" dirty="0"/>
+              <a:t>the</a:t>
+            </a:r>
+            <a:r>
+              <a:rPr lang="zh-CN" altLang="en-US" dirty="0"/>
+              <a:t> </a:t>
+            </a:r>
+            <a:r>
+              <a:rPr lang="en-US" altLang="zh-CN" dirty="0"/>
+              <a:t>Interface + implementation</a:t>
+            </a:r>
+            <a:r>
+              <a:rPr lang="zh-CN" altLang="en-US" dirty="0"/>
+              <a:t> </a:t>
+            </a:r>
+            <a:r>
+              <a:rPr lang="en-US" altLang="zh-CN" dirty="0"/>
+              <a:t>programming</a:t>
+            </a:r>
+            <a:r>
+              <a:rPr lang="zh-CN" altLang="en-US" dirty="0"/>
+              <a:t> </a:t>
+            </a:r>
+            <a:r>
+              <a:rPr lang="en-US" altLang="zh-CN" dirty="0"/>
+              <a:t>idiom</a:t>
+            </a:r>
+          </a:p>
+          <a:p>
+            <a:r>
+              <a:rPr lang="en-US" altLang="zh-CN" dirty="0"/>
+              <a:t>ADT</a:t>
+            </a:r>
+            <a:r>
+              <a:rPr lang="zh-CN" altLang="en-US" dirty="0"/>
+              <a:t> </a:t>
+            </a:r>
+            <a:r>
+              <a:rPr lang="en-US" altLang="zh-CN" dirty="0"/>
+              <a:t>enforces</a:t>
+            </a:r>
+            <a:r>
+              <a:rPr lang="zh-CN" altLang="en-US" dirty="0"/>
+              <a:t> </a:t>
+            </a:r>
+            <a:r>
+              <a:rPr lang="en-US" altLang="zh-CN" dirty="0"/>
+              <a:t>abstractions!</a:t>
+            </a:r>
+          </a:p>
+          <a:p>
+            <a:pPr lvl="1"/>
+            <a:r>
+              <a:rPr lang="en-US" altLang="zh-CN" dirty="0"/>
+              <a:t>Both</a:t>
+            </a:r>
+            <a:r>
+              <a:rPr lang="zh-CN" altLang="en-US" dirty="0"/>
+              <a:t> </a:t>
+            </a:r>
+            <a:r>
+              <a:rPr lang="en-US" altLang="zh-CN" dirty="0"/>
+              <a:t>data representation and</a:t>
+            </a:r>
+            <a:r>
+              <a:rPr lang="zh-CN" altLang="en-US" dirty="0"/>
+              <a:t> </a:t>
+            </a:r>
+            <a:r>
+              <a:rPr lang="en-US" altLang="zh-CN" dirty="0"/>
+              <a:t>algorithm are private</a:t>
+            </a:r>
+          </a:p>
+          <a:p>
+            <a:pPr lvl="2"/>
+            <a:r>
+              <a:rPr lang="en-US" altLang="zh-CN" dirty="0"/>
+              <a:t>client code can NOT access it</a:t>
+            </a:r>
+          </a:p>
+          <a:p>
+            <a:pPr lvl="2"/>
+            <a:r>
+              <a:rPr lang="en-US" altLang="zh-CN" dirty="0"/>
+              <a:t>thus, client code independent of the impl</a:t>
+            </a:r>
+            <a:r>
+              <a:rPr lang="en-US" altLang="zh-CN" dirty="0">
                 <a:latin typeface="Arial" panose="020B0604020202020204" pitchFamily="34" charset="0"/>
               </a:rPr>
-              <a:t>’</a:t>
-            </a:r>
-            <a:r>
-              <a:rPr lang="en-US" altLang="zh-CN"/>
-              <a:t>s ADT!</a:t>
-            </a:r>
-          </a:p>
-          <a:p>
-            <a:pPr lvl="1"/>
-            <a:r>
-              <a:rPr lang="en-US" altLang="zh-CN"/>
-              <a:t>Algorithm is private</a:t>
-            </a:r>
-          </a:p>
-          <a:p>
-            <a:pPr lvl="1"/>
-            <a:r>
-              <a:rPr lang="en-US" altLang="zh-CN"/>
-              <a:t>Data representation is private</a:t>
-            </a:r>
-          </a:p>
-          <a:p>
-            <a:pPr lvl="2"/>
-            <a:r>
-              <a:rPr lang="en-US" altLang="zh-CN"/>
-              <a:t>client code can NOT access it</a:t>
-            </a:r>
-          </a:p>
-          <a:p>
-            <a:pPr lvl="2"/>
-            <a:r>
-              <a:rPr lang="en-US" altLang="zh-CN"/>
-              <a:t>thus, client code independent of the impl</a:t>
-            </a:r>
-            <a:r>
-              <a:rPr lang="en-US" altLang="zh-CN">
-                <a:latin typeface="Arial" panose="020B0604020202020204" pitchFamily="34" charset="0"/>
-              </a:rPr>
-              <a:t>’</a:t>
-            </a:r>
-            <a:endParaRPr lang="en-US" altLang="zh-CN"/>
-          </a:p>
-          <a:p>
-            <a:r>
-              <a:rPr lang="en-US" altLang="zh-CN"/>
-              <a:t>Interface + implementation</a:t>
-            </a:r>
+              <a:t>ementations</a:t>
+            </a:r>
+            <a:endParaRPr lang="en-US" altLang="zh-CN" dirty="0"/>
           </a:p>
         </p:txBody>
       </p:sp>
@@ -9706,15 +9727,12 @@
             <a:r>
               <a:rPr lang="en-US" altLang="zh-CN" sz="2000" b="1" dirty="0">
                 <a:solidFill>
-                  <a:schemeClr val="folHlink"/>
+                  <a:srgbClr val="0432FF"/>
                 </a:solidFill>
                 <a:latin typeface="Courier New" panose="02070309020205020404" pitchFamily="49" charset="0"/>
               </a:rPr>
               <a:t>int main(){ </a:t>
             </a:r>
-            <a:endParaRPr lang="en-US" altLang="zh-CN" sz="2000" b="1" dirty="0">
-              <a:latin typeface="Courier New" panose="02070309020205020404" pitchFamily="49" charset="0"/>
-            </a:endParaRPr>
           </a:p>
           <a:p>
             <a:pPr>
@@ -9727,7 +9745,7 @@
             <a:r>
               <a:rPr lang="en-US" altLang="zh-CN" sz="2000" b="1" dirty="0">
                 <a:solidFill>
-                  <a:schemeClr val="folHlink"/>
+                  <a:srgbClr val="0432FF"/>
                 </a:solidFill>
                 <a:latin typeface="Courier New" panose="02070309020205020404" pitchFamily="49" charset="0"/>
               </a:rPr>
@@ -9736,7 +9754,7 @@
             <a:r>
               <a:rPr lang="en-US" altLang="zh-CN" sz="2000" b="1" dirty="0" err="1">
                 <a:solidFill>
-                  <a:schemeClr val="folHlink"/>
+                  <a:srgbClr val="0432FF"/>
                 </a:solidFill>
                 <a:latin typeface="Courier New" panose="02070309020205020404" pitchFamily="49" charset="0"/>
               </a:rPr>
@@ -9745,7 +9763,7 @@
             <a:r>
               <a:rPr lang="en-US" altLang="zh-CN" sz="2000" b="1" dirty="0">
                 <a:solidFill>
-                  <a:schemeClr val="folHlink"/>
+                  <a:srgbClr val="0432FF"/>
                 </a:solidFill>
                 <a:latin typeface="Courier New" panose="02070309020205020404" pitchFamily="49" charset="0"/>
               </a:rPr>
@@ -9762,7 +9780,7 @@
             </a:pPr>
             <a:endParaRPr lang="en-US" altLang="zh-CN" sz="2000" b="1" dirty="0">
               <a:solidFill>
-                <a:schemeClr val="folHlink"/>
+                <a:srgbClr val="0432FF"/>
               </a:solidFill>
               <a:latin typeface="Courier New" panose="02070309020205020404" pitchFamily="49" charset="0"/>
             </a:endParaRPr>
@@ -9778,7 +9796,7 @@
             <a:r>
               <a:rPr lang="en-US" altLang="zh-CN" sz="2000" b="1" dirty="0">
                 <a:solidFill>
-                  <a:schemeClr val="folHlink"/>
+                  <a:srgbClr val="0432FF"/>
                 </a:solidFill>
                 <a:latin typeface="Courier New" panose="02070309020205020404" pitchFamily="49" charset="0"/>
               </a:rPr>
@@ -9787,7 +9805,7 @@
             <a:r>
               <a:rPr lang="en-US" altLang="zh-CN" sz="2000" b="1" dirty="0" err="1">
                 <a:solidFill>
-                  <a:schemeClr val="folHlink"/>
+                  <a:srgbClr val="0432FF"/>
                 </a:solidFill>
                 <a:latin typeface="Courier New" panose="02070309020205020404" pitchFamily="49" charset="0"/>
               </a:rPr>
@@ -9796,7 +9814,7 @@
             <a:r>
               <a:rPr lang="en-US" altLang="zh-CN" sz="2000" b="1" dirty="0">
                 <a:solidFill>
-                  <a:schemeClr val="folHlink"/>
+                  <a:srgbClr val="0432FF"/>
                 </a:solidFill>
                 <a:latin typeface="Courier New" panose="02070309020205020404" pitchFamily="49" charset="0"/>
               </a:rPr>
@@ -9814,7 +9832,7 @@
             <a:r>
               <a:rPr lang="en-US" altLang="zh-CN" sz="2000" b="1" dirty="0">
                 <a:solidFill>
-                  <a:schemeClr val="folHlink"/>
+                  <a:srgbClr val="0432FF"/>
                 </a:solidFill>
                 <a:latin typeface="Courier New" panose="02070309020205020404" pitchFamily="49" charset="0"/>
               </a:rPr>
@@ -9823,7 +9841,7 @@
             <a:r>
               <a:rPr lang="en-US" altLang="zh-CN" sz="2000" b="1" dirty="0" err="1">
                 <a:solidFill>
-                  <a:schemeClr val="folHlink"/>
+                  <a:srgbClr val="0432FF"/>
                 </a:solidFill>
                 <a:latin typeface="Courier New" panose="02070309020205020404" pitchFamily="49" charset="0"/>
               </a:rPr>
@@ -9832,7 +9850,7 @@
             <a:r>
               <a:rPr lang="en-US" altLang="zh-CN" sz="2000" b="1" dirty="0">
                 <a:solidFill>
-                  <a:schemeClr val="folHlink"/>
+                  <a:srgbClr val="0432FF"/>
                 </a:solidFill>
                 <a:latin typeface="Courier New" panose="02070309020205020404" pitchFamily="49" charset="0"/>
               </a:rPr>
@@ -9850,7 +9868,7 @@
             <a:r>
               <a:rPr lang="en-US" altLang="zh-CN" sz="2000" b="1" dirty="0">
                 <a:solidFill>
-                  <a:schemeClr val="folHlink"/>
+                  <a:srgbClr val="0432FF"/>
                 </a:solidFill>
                 <a:latin typeface="Courier New" panose="02070309020205020404" pitchFamily="49" charset="0"/>
               </a:rPr>
@@ -9859,7 +9877,7 @@
             <a:r>
               <a:rPr lang="en-US" altLang="zh-CN" sz="2000" b="1" dirty="0" err="1">
                 <a:solidFill>
-                  <a:schemeClr val="folHlink"/>
+                  <a:srgbClr val="0432FF"/>
                 </a:solidFill>
                 <a:latin typeface="Courier New" panose="02070309020205020404" pitchFamily="49" charset="0"/>
               </a:rPr>
@@ -9868,7 +9886,7 @@
             <a:r>
               <a:rPr lang="en-US" altLang="zh-CN" sz="2000" b="1" dirty="0">
                 <a:solidFill>
-                  <a:schemeClr val="folHlink"/>
+                  <a:srgbClr val="0432FF"/>
                 </a:solidFill>
                 <a:latin typeface="Courier New" panose="02070309020205020404" pitchFamily="49" charset="0"/>
               </a:rPr>
@@ -9886,7 +9904,7 @@
             <a:r>
               <a:rPr lang="en-US" altLang="zh-CN" sz="2000" b="1" dirty="0">
                 <a:solidFill>
-                  <a:schemeClr val="folHlink"/>
+                  <a:srgbClr val="0432FF"/>
                 </a:solidFill>
                 <a:latin typeface="Courier New" panose="02070309020205020404" pitchFamily="49" charset="0"/>
               </a:rPr>
@@ -9895,7 +9913,7 @@
             <a:r>
               <a:rPr lang="en-US" altLang="zh-CN" sz="2000" b="1" dirty="0" err="1">
                 <a:solidFill>
-                  <a:schemeClr val="folHlink"/>
+                  <a:srgbClr val="0432FF"/>
                 </a:solidFill>
                 <a:latin typeface="Courier New" panose="02070309020205020404" pitchFamily="49" charset="0"/>
               </a:rPr>
@@ -9904,7 +9922,7 @@
             <a:r>
               <a:rPr lang="en-US" altLang="zh-CN" sz="2000" b="1" dirty="0">
                 <a:solidFill>
-                  <a:schemeClr val="folHlink"/>
+                  <a:srgbClr val="0432FF"/>
                 </a:solidFill>
                 <a:latin typeface="Courier New" panose="02070309020205020404" pitchFamily="49" charset="0"/>
               </a:rPr>
@@ -9922,7 +9940,7 @@
             <a:r>
               <a:rPr lang="en-US" altLang="zh-CN" sz="2000" b="1" dirty="0">
                 <a:solidFill>
-                  <a:schemeClr val="folHlink"/>
+                  <a:srgbClr val="0432FF"/>
                 </a:solidFill>
                 <a:latin typeface="Courier New" panose="02070309020205020404" pitchFamily="49" charset="0"/>
               </a:rPr>
@@ -9940,7 +9958,7 @@
             <a:r>
               <a:rPr lang="en-US" altLang="zh-CN" sz="2000" b="1" dirty="0">
                 <a:solidFill>
-                  <a:schemeClr val="folHlink"/>
+                  <a:srgbClr val="0432FF"/>
                 </a:solidFill>
                 <a:latin typeface="Courier New" panose="02070309020205020404" pitchFamily="49" charset="0"/>
               </a:rPr>

--- a/courses/sysprog/slides/lec10-adt.pptx
+++ b/courses/sysprog/slides/lec10-adt.pptx
@@ -4963,15 +4963,12 @@
             <a:r>
               <a:rPr lang="en-US" altLang="zh-CN" sz="2000" b="1" dirty="0">
                 <a:solidFill>
-                  <a:schemeClr val="folHlink"/>
+                  <a:srgbClr val="0432FF"/>
                 </a:solidFill>
                 <a:latin typeface="Courier New" panose="02070309020205020404" pitchFamily="49" charset="0"/>
               </a:rPr>
               <a:t>int main(){ </a:t>
             </a:r>
-            <a:endParaRPr lang="en-US" altLang="zh-CN" sz="2000" b="1" dirty="0">
-              <a:latin typeface="Courier New" panose="02070309020205020404" pitchFamily="49" charset="0"/>
-            </a:endParaRPr>
           </a:p>
           <a:p>
             <a:pPr>
@@ -4984,7 +4981,7 @@
             <a:r>
               <a:rPr lang="en-US" altLang="zh-CN" sz="2000" b="1" dirty="0">
                 <a:solidFill>
-                  <a:schemeClr val="folHlink"/>
+                  <a:srgbClr val="0432FF"/>
                 </a:solidFill>
                 <a:latin typeface="Courier New" panose="02070309020205020404" pitchFamily="49" charset="0"/>
               </a:rPr>
@@ -4993,7 +4990,7 @@
             <a:r>
               <a:rPr lang="en-US" altLang="zh-CN" sz="2000" b="1" dirty="0" err="1">
                 <a:solidFill>
-                  <a:schemeClr val="folHlink"/>
+                  <a:srgbClr val="0432FF"/>
                 </a:solidFill>
                 <a:latin typeface="Courier New" panose="02070309020205020404" pitchFamily="49" charset="0"/>
               </a:rPr>
@@ -5002,7 +4999,7 @@
             <a:r>
               <a:rPr lang="en-US" altLang="zh-CN" sz="2000" b="1" dirty="0">
                 <a:solidFill>
-                  <a:schemeClr val="folHlink"/>
+                  <a:srgbClr val="0432FF"/>
                 </a:solidFill>
                 <a:latin typeface="Courier New" panose="02070309020205020404" pitchFamily="49" charset="0"/>
               </a:rPr>
@@ -5019,7 +5016,7 @@
             </a:pPr>
             <a:endParaRPr lang="en-US" altLang="zh-CN" sz="2000" b="1" dirty="0">
               <a:solidFill>
-                <a:schemeClr val="folHlink"/>
+                <a:srgbClr val="0432FF"/>
               </a:solidFill>
               <a:latin typeface="Courier New" panose="02070309020205020404" pitchFamily="49" charset="0"/>
             </a:endParaRPr>
@@ -5035,21 +5032,189 @@
             <a:r>
               <a:rPr lang="en-US" altLang="zh-CN" sz="2000" b="1" dirty="0">
                 <a:solidFill>
+                  <a:srgbClr val="0432FF"/>
+                </a:solidFill>
+                <a:latin typeface="Courier New" panose="02070309020205020404" pitchFamily="49" charset="0"/>
+              </a:rPr>
+              <a:t>  c = </a:t>
+            </a:r>
+            <a:r>
+              <a:rPr lang="en-US" altLang="zh-CN" sz="2000" b="1" dirty="0" err="1">
+                <a:solidFill>
+                  <a:srgbClr val="0432FF"/>
+                </a:solidFill>
+                <a:latin typeface="Courier New" panose="02070309020205020404" pitchFamily="49" charset="0"/>
+              </a:rPr>
+              <a:t>Complex_new</a:t>
+            </a:r>
+            <a:r>
+              <a:rPr lang="en-US" altLang="zh-CN" sz="2000" b="1" dirty="0">
+                <a:solidFill>
+                  <a:srgbClr val="0432FF"/>
+                </a:solidFill>
+                <a:latin typeface="Courier New" panose="02070309020205020404" pitchFamily="49" charset="0"/>
+              </a:rPr>
+              <a:t>(3.0, 4.0);</a:t>
+            </a:r>
+          </a:p>
+          <a:p>
+            <a:pPr>
+              <a:lnSpc>
+                <a:spcPct val="80000"/>
+              </a:lnSpc>
+              <a:buFont typeface="Wingdings" panose="05000000000000000000" pitchFamily="2" charset="2"/>
+              <a:buNone/>
+            </a:pPr>
+            <a:r>
+              <a:rPr lang="en-US" altLang="zh-CN" sz="2000" b="1" dirty="0">
+                <a:solidFill>
                   <a:schemeClr val="folHlink"/>
                 </a:solidFill>
                 <a:latin typeface="Courier New" panose="02070309020205020404" pitchFamily="49" charset="0"/>
               </a:rPr>
-              <a:t>  c = </a:t>
+              <a:t>  </a:t>
+            </a:r>
+          </a:p>
+          <a:p>
+            <a:pPr>
+              <a:lnSpc>
+                <a:spcPct val="80000"/>
+              </a:lnSpc>
+              <a:buFont typeface="Wingdings" panose="05000000000000000000" pitchFamily="2" charset="2"/>
+              <a:buNone/>
+            </a:pPr>
+            <a:r>
+              <a:rPr lang="en-US" altLang="zh-CN" sz="2000" b="1" dirty="0">
+                <a:solidFill>
+                  <a:schemeClr val="folHlink"/>
+                </a:solidFill>
+                <a:latin typeface="Courier New" panose="02070309020205020404" pitchFamily="49" charset="0"/>
+              </a:rPr>
+              <a:t>	</a:t>
+            </a:r>
+            <a:r>
+              <a:rPr lang="en-US" altLang="zh-CN" sz="2000" b="1" dirty="0">
+                <a:latin typeface="Courier New" panose="02070309020205020404" pitchFamily="49" charset="0"/>
+              </a:rPr>
+              <a:t>// Want to do this: c = c + (5+i6);</a:t>
+            </a:r>
+          </a:p>
+          <a:p>
+            <a:pPr>
+              <a:lnSpc>
+                <a:spcPct val="80000"/>
+              </a:lnSpc>
+              <a:buFont typeface="Wingdings" panose="05000000000000000000" pitchFamily="2" charset="2"/>
+              <a:buNone/>
+            </a:pPr>
+            <a:r>
+              <a:rPr lang="en-US" altLang="zh-CN" sz="2000" b="1" dirty="0">
+                <a:solidFill>
+                  <a:schemeClr val="folHlink"/>
+                </a:solidFill>
+                <a:latin typeface="Courier New" panose="02070309020205020404" pitchFamily="49" charset="0"/>
+              </a:rPr>
+              <a:t>	</a:t>
+            </a:r>
+            <a:r>
+              <a:rPr lang="en-US" altLang="zh-CN" sz="2000" b="1" dirty="0">
+                <a:latin typeface="Courier New" panose="02070309020205020404" pitchFamily="49" charset="0"/>
+              </a:rPr>
+              <a:t>// </a:t>
             </a:r>
             <a:r>
               <a:rPr lang="en-US" altLang="zh-CN" sz="2000" b="1" dirty="0" err="1">
+                <a:latin typeface="Courier New" panose="02070309020205020404" pitchFamily="49" charset="0"/>
+              </a:rPr>
+              <a:t>Ooooops</a:t>
+            </a:r>
+            <a:r>
+              <a:rPr lang="en-US" altLang="zh-CN" sz="2000" b="1" dirty="0">
+                <a:latin typeface="Courier New" panose="02070309020205020404" pitchFamily="49" charset="0"/>
+              </a:rPr>
+              <a:t>, this is legal!</a:t>
+            </a:r>
+          </a:p>
+          <a:p>
+            <a:pPr>
+              <a:lnSpc>
+                <a:spcPct val="80000"/>
+              </a:lnSpc>
+              <a:buFont typeface="Wingdings" panose="05000000000000000000" pitchFamily="2" charset="2"/>
+              <a:buNone/>
+            </a:pPr>
+            <a:r>
+              <a:rPr lang="en-US" altLang="zh-CN" sz="2000" b="1" dirty="0">
                 <a:solidFill>
                   <a:schemeClr val="folHlink"/>
                 </a:solidFill>
                 <a:latin typeface="Courier New" panose="02070309020205020404" pitchFamily="49" charset="0"/>
               </a:rPr>
-              <a:t>Complex_new</a:t>
-            </a:r>
+              <a:t>	</a:t>
+            </a:r>
+            <a:r>
+              <a:rPr lang="en-US" altLang="zh-CN" sz="2000" b="1" dirty="0" err="1">
+                <a:solidFill>
+                  <a:schemeClr val="hlink"/>
+                </a:solidFill>
+                <a:latin typeface="Courier New" panose="02070309020205020404" pitchFamily="49" charset="0"/>
+              </a:rPr>
+              <a:t>c.x</a:t>
+            </a:r>
+            <a:r>
+              <a:rPr lang="en-US" altLang="zh-CN" sz="2000" b="1" dirty="0">
+                <a:solidFill>
+                  <a:schemeClr val="hlink"/>
+                </a:solidFill>
+                <a:latin typeface="Courier New" panose="02070309020205020404" pitchFamily="49" charset="0"/>
+              </a:rPr>
+              <a:t> += 5;</a:t>
+            </a:r>
+          </a:p>
+          <a:p>
+            <a:pPr>
+              <a:lnSpc>
+                <a:spcPct val="80000"/>
+              </a:lnSpc>
+              <a:buFont typeface="Wingdings" panose="05000000000000000000" pitchFamily="2" charset="2"/>
+              <a:buNone/>
+            </a:pPr>
+            <a:r>
+              <a:rPr lang="en-US" altLang="zh-CN" sz="2000" b="1" dirty="0">
+                <a:solidFill>
+                  <a:schemeClr val="hlink"/>
+                </a:solidFill>
+                <a:latin typeface="Courier New" panose="02070309020205020404" pitchFamily="49" charset="0"/>
+              </a:rPr>
+              <a:t>	</a:t>
+            </a:r>
+            <a:r>
+              <a:rPr lang="en-US" altLang="zh-CN" sz="2000" b="1" dirty="0" err="1">
+                <a:solidFill>
+                  <a:schemeClr val="hlink"/>
+                </a:solidFill>
+                <a:latin typeface="Courier New" panose="02070309020205020404" pitchFamily="49" charset="0"/>
+              </a:rPr>
+              <a:t>c.y</a:t>
+            </a:r>
+            <a:r>
+              <a:rPr lang="en-US" altLang="zh-CN" sz="2000" b="1" dirty="0">
+                <a:solidFill>
+                  <a:schemeClr val="hlink"/>
+                </a:solidFill>
+                <a:latin typeface="Courier New" panose="02070309020205020404" pitchFamily="49" charset="0"/>
+              </a:rPr>
+              <a:t> += 6;</a:t>
+            </a:r>
+          </a:p>
+          <a:p>
+            <a:pPr>
+              <a:lnSpc>
+                <a:spcPct val="80000"/>
+              </a:lnSpc>
+              <a:buFont typeface="Wingdings" panose="05000000000000000000" pitchFamily="2" charset="2"/>
+              <a:buNone/>
+            </a:pPr>
             <a:r>
               <a:rPr lang="en-US" altLang="zh-CN" sz="2000" b="1" dirty="0">
                 <a:solidFill>
@@ -5057,7 +5222,7 @@
                 </a:solidFill>
                 <a:latin typeface="Courier New" panose="02070309020205020404" pitchFamily="49" charset="0"/>
               </a:rPr>
-              <a:t>(3.0, 4.0);</a:t>
+              <a:t>	</a:t>
             </a:r>
           </a:p>
           <a:p>
@@ -5077,6 +5242,15 @@
               </a:rPr>
               <a:t>  </a:t>
             </a:r>
+            <a:r>
+              <a:rPr lang="en-US" altLang="zh-CN" sz="2000" b="1" dirty="0">
+                <a:solidFill>
+                  <a:srgbClr val="0432FF"/>
+                </a:solidFill>
+                <a:latin typeface="Courier New" panose="02070309020205020404" pitchFamily="49" charset="0"/>
+              </a:rPr>
+              <a:t>return 0;</a:t>
+            </a:r>
           </a:p>
           <a:p>
             <a:pPr>
@@ -5089,175 +5263,7 @@
             <a:r>
               <a:rPr lang="en-US" altLang="zh-CN" sz="2000" b="1" dirty="0">
                 <a:solidFill>
-                  <a:schemeClr val="folHlink"/>
-                </a:solidFill>
-                <a:latin typeface="Courier New" panose="02070309020205020404" pitchFamily="49" charset="0"/>
-              </a:rPr>
-              <a:t>	</a:t>
-            </a:r>
-            <a:r>
-              <a:rPr lang="en-US" altLang="zh-CN" sz="2000" b="1" dirty="0">
-                <a:latin typeface="Courier New" panose="02070309020205020404" pitchFamily="49" charset="0"/>
-              </a:rPr>
-              <a:t>// Want to do this: c = c + (5+i6);</a:t>
-            </a:r>
-          </a:p>
-          <a:p>
-            <a:pPr>
-              <a:lnSpc>
-                <a:spcPct val="80000"/>
-              </a:lnSpc>
-              <a:buFont typeface="Wingdings" panose="05000000000000000000" pitchFamily="2" charset="2"/>
-              <a:buNone/>
-            </a:pPr>
-            <a:r>
-              <a:rPr lang="en-US" altLang="zh-CN" sz="2000" b="1" dirty="0">
-                <a:solidFill>
-                  <a:schemeClr val="folHlink"/>
-                </a:solidFill>
-                <a:latin typeface="Courier New" panose="02070309020205020404" pitchFamily="49" charset="0"/>
-              </a:rPr>
-              <a:t>	</a:t>
-            </a:r>
-            <a:r>
-              <a:rPr lang="en-US" altLang="zh-CN" sz="2000" b="1" dirty="0">
-                <a:latin typeface="Courier New" panose="02070309020205020404" pitchFamily="49" charset="0"/>
-              </a:rPr>
-              <a:t>// </a:t>
-            </a:r>
-            <a:r>
-              <a:rPr lang="en-US" altLang="zh-CN" sz="2000" b="1" dirty="0" err="1">
-                <a:latin typeface="Courier New" panose="02070309020205020404" pitchFamily="49" charset="0"/>
-              </a:rPr>
-              <a:t>Ooooops</a:t>
-            </a:r>
-            <a:r>
-              <a:rPr lang="en-US" altLang="zh-CN" sz="2000" b="1" dirty="0">
-                <a:latin typeface="Courier New" panose="02070309020205020404" pitchFamily="49" charset="0"/>
-              </a:rPr>
-              <a:t>, this is legal:</a:t>
-            </a:r>
-          </a:p>
-          <a:p>
-            <a:pPr>
-              <a:lnSpc>
-                <a:spcPct val="80000"/>
-              </a:lnSpc>
-              <a:buFont typeface="Wingdings" panose="05000000000000000000" pitchFamily="2" charset="2"/>
-              <a:buNone/>
-            </a:pPr>
-            <a:r>
-              <a:rPr lang="en-US" altLang="zh-CN" sz="2000" b="1" dirty="0">
-                <a:solidFill>
-                  <a:schemeClr val="folHlink"/>
-                </a:solidFill>
-                <a:latin typeface="Courier New" panose="02070309020205020404" pitchFamily="49" charset="0"/>
-              </a:rPr>
-              <a:t>	</a:t>
-            </a:r>
-            <a:r>
-              <a:rPr lang="en-US" altLang="zh-CN" sz="2000" b="1" dirty="0" err="1">
-                <a:solidFill>
-                  <a:schemeClr val="hlink"/>
-                </a:solidFill>
-                <a:latin typeface="Courier New" panose="02070309020205020404" pitchFamily="49" charset="0"/>
-              </a:rPr>
-              <a:t>c.x</a:t>
-            </a:r>
-            <a:r>
-              <a:rPr lang="en-US" altLang="zh-CN" sz="2000" b="1" dirty="0">
-                <a:solidFill>
-                  <a:schemeClr val="hlink"/>
-                </a:solidFill>
-                <a:latin typeface="Courier New" panose="02070309020205020404" pitchFamily="49" charset="0"/>
-              </a:rPr>
-              <a:t> += 5;</a:t>
-            </a:r>
-          </a:p>
-          <a:p>
-            <a:pPr>
-              <a:lnSpc>
-                <a:spcPct val="80000"/>
-              </a:lnSpc>
-              <a:buFont typeface="Wingdings" panose="05000000000000000000" pitchFamily="2" charset="2"/>
-              <a:buNone/>
-            </a:pPr>
-            <a:r>
-              <a:rPr lang="en-US" altLang="zh-CN" sz="2000" b="1" dirty="0">
-                <a:solidFill>
-                  <a:schemeClr val="hlink"/>
-                </a:solidFill>
-                <a:latin typeface="Courier New" panose="02070309020205020404" pitchFamily="49" charset="0"/>
-              </a:rPr>
-              <a:t>	</a:t>
-            </a:r>
-            <a:r>
-              <a:rPr lang="en-US" altLang="zh-CN" sz="2000" b="1" dirty="0" err="1">
-                <a:solidFill>
-                  <a:schemeClr val="hlink"/>
-                </a:solidFill>
-                <a:latin typeface="Courier New" panose="02070309020205020404" pitchFamily="49" charset="0"/>
-              </a:rPr>
-              <a:t>c.y</a:t>
-            </a:r>
-            <a:r>
-              <a:rPr lang="en-US" altLang="zh-CN" sz="2000" b="1" dirty="0">
-                <a:solidFill>
-                  <a:schemeClr val="hlink"/>
-                </a:solidFill>
-                <a:latin typeface="Courier New" panose="02070309020205020404" pitchFamily="49" charset="0"/>
-              </a:rPr>
-              <a:t> += 6;</a:t>
-            </a:r>
-          </a:p>
-          <a:p>
-            <a:pPr>
-              <a:lnSpc>
-                <a:spcPct val="80000"/>
-              </a:lnSpc>
-              <a:buFont typeface="Wingdings" panose="05000000000000000000" pitchFamily="2" charset="2"/>
-              <a:buNone/>
-            </a:pPr>
-            <a:r>
-              <a:rPr lang="en-US" altLang="zh-CN" sz="2000" b="1" dirty="0">
-                <a:solidFill>
-                  <a:schemeClr val="folHlink"/>
-                </a:solidFill>
-                <a:latin typeface="Courier New" panose="02070309020205020404" pitchFamily="49" charset="0"/>
-              </a:rPr>
-              <a:t>	</a:t>
-            </a:r>
-          </a:p>
-          <a:p>
-            <a:pPr>
-              <a:lnSpc>
-                <a:spcPct val="80000"/>
-              </a:lnSpc>
-              <a:buFont typeface="Wingdings" panose="05000000000000000000" pitchFamily="2" charset="2"/>
-              <a:buNone/>
-            </a:pPr>
-            <a:r>
-              <a:rPr lang="en-US" altLang="zh-CN" sz="2000" b="1" dirty="0">
-                <a:solidFill>
-                  <a:schemeClr val="folHlink"/>
-                </a:solidFill>
-                <a:latin typeface="Courier New" panose="02070309020205020404" pitchFamily="49" charset="0"/>
-              </a:rPr>
-              <a:t>  return 0;</a:t>
-            </a:r>
-          </a:p>
-          <a:p>
-            <a:pPr>
-              <a:lnSpc>
-                <a:spcPct val="80000"/>
-              </a:lnSpc>
-              <a:buFont typeface="Wingdings" panose="05000000000000000000" pitchFamily="2" charset="2"/>
-              <a:buNone/>
-            </a:pPr>
-            <a:r>
-              <a:rPr lang="en-US" altLang="zh-CN" sz="2000" b="1" dirty="0">
-                <a:solidFill>
-                  <a:schemeClr val="folHlink"/>
+                  <a:srgbClr val="0432FF"/>
                 </a:solidFill>
                 <a:latin typeface="Courier New" panose="02070309020205020404" pitchFamily="49" charset="0"/>
               </a:rPr>
@@ -5338,7 +5344,7 @@
             <a:r>
               <a:rPr lang="en-US" altLang="zh-CN" sz="2000" b="1" dirty="0">
                 <a:solidFill>
-                  <a:schemeClr val="folHlink"/>
+                  <a:srgbClr val="0432FF"/>
                 </a:solidFill>
                 <a:latin typeface="Courier New" panose="02070309020205020404" pitchFamily="49" charset="0"/>
               </a:rPr>
@@ -5347,7 +5353,7 @@
             <a:r>
               <a:rPr lang="en-US" altLang="zh-CN" sz="2000" b="1" dirty="0" err="1">
                 <a:solidFill>
-                  <a:schemeClr val="folHlink"/>
+                  <a:srgbClr val="0432FF"/>
                 </a:solidFill>
                 <a:latin typeface="Courier New" panose="02070309020205020404" pitchFamily="49" charset="0"/>
               </a:rPr>
@@ -5356,7 +5362,7 @@
             <a:r>
               <a:rPr lang="en-US" altLang="zh-CN" sz="2000" b="1" dirty="0">
                 <a:solidFill>
-                  <a:schemeClr val="folHlink"/>
+                  <a:srgbClr val="0432FF"/>
                 </a:solidFill>
                 <a:latin typeface="Courier New" panose="02070309020205020404" pitchFamily="49" charset="0"/>
               </a:rPr>
@@ -5374,7 +5380,7 @@
             <a:r>
               <a:rPr lang="en-US" altLang="zh-CN" sz="2000" b="1" dirty="0">
                 <a:solidFill>
-                  <a:schemeClr val="folHlink"/>
+                  <a:srgbClr val="0432FF"/>
                 </a:solidFill>
                 <a:latin typeface="Courier New" panose="02070309020205020404" pitchFamily="49" charset="0"/>
               </a:rPr>
@@ -5391,7 +5397,7 @@
             </a:pPr>
             <a:endParaRPr lang="en-US" altLang="zh-CN" sz="2000" b="1" dirty="0">
               <a:solidFill>
-                <a:schemeClr val="folHlink"/>
+                <a:srgbClr val="0432FF"/>
               </a:solidFill>
               <a:latin typeface="Courier New" panose="02070309020205020404" pitchFamily="49" charset="0"/>
             </a:endParaRPr>
@@ -5407,16 +5413,112 @@
             <a:r>
               <a:rPr lang="en-US" altLang="zh-CN" sz="2000" b="1" dirty="0">
                 <a:solidFill>
+                  <a:srgbClr val="0432FF"/>
+                </a:solidFill>
+                <a:latin typeface="Courier New" panose="02070309020205020404" pitchFamily="49" charset="0"/>
+              </a:rPr>
+              <a:t>struct </a:t>
+            </a:r>
+            <a:r>
+              <a:rPr lang="en-US" altLang="zh-CN" sz="2000" b="1" dirty="0" err="1">
+                <a:solidFill>
+                  <a:srgbClr val="0432FF"/>
+                </a:solidFill>
+                <a:latin typeface="Courier New" panose="02070309020205020404" pitchFamily="49" charset="0"/>
+              </a:rPr>
+              <a:t>Complex_t</a:t>
+            </a:r>
+            <a:r>
+              <a:rPr lang="en-US" altLang="zh-CN" sz="2000" b="1" dirty="0">
+                <a:solidFill>
+                  <a:srgbClr val="0432FF"/>
+                </a:solidFill>
+                <a:latin typeface="Courier New" panose="02070309020205020404" pitchFamily="49" charset="0"/>
+              </a:rPr>
+              <a:t>{</a:t>
+            </a:r>
+          </a:p>
+          <a:p>
+            <a:pPr>
+              <a:lnSpc>
+                <a:spcPct val="80000"/>
+              </a:lnSpc>
+              <a:buFont typeface="Wingdings" panose="05000000000000000000" pitchFamily="2" charset="2"/>
+              <a:buNone/>
+            </a:pPr>
+            <a:r>
+              <a:rPr lang="en-US" altLang="zh-CN" sz="2000" b="1" dirty="0">
+                <a:latin typeface="Courier New" panose="02070309020205020404" pitchFamily="49" charset="0"/>
+              </a:rPr>
+              <a:t>	// change to a more fancy one? Defeat “main”…</a:t>
+            </a:r>
+          </a:p>
+          <a:p>
+            <a:pPr>
+              <a:lnSpc>
+                <a:spcPct val="80000"/>
+              </a:lnSpc>
+              <a:buFont typeface="Wingdings" panose="05000000000000000000" pitchFamily="2" charset="2"/>
+              <a:buNone/>
+            </a:pPr>
+            <a:r>
+              <a:rPr lang="en-US" altLang="zh-CN" sz="2000" b="1" dirty="0">
+                <a:solidFill>
                   <a:schemeClr val="folHlink"/>
                 </a:solidFill>
                 <a:latin typeface="Courier New" panose="02070309020205020404" pitchFamily="49" charset="0"/>
               </a:rPr>
-              <a:t>struct </a:t>
+              <a:t>	</a:t>
+            </a:r>
+            <a:r>
+              <a:rPr lang="en-US" altLang="zh-CN" sz="2000" b="1" dirty="0">
+                <a:solidFill>
+                  <a:schemeClr val="hlink"/>
+                </a:solidFill>
+                <a:latin typeface="Courier New" panose="02070309020205020404" pitchFamily="49" charset="0"/>
+              </a:rPr>
+              <a:t>double a[2];</a:t>
+            </a:r>
+          </a:p>
+          <a:p>
+            <a:pPr>
+              <a:lnSpc>
+                <a:spcPct val="80000"/>
+              </a:lnSpc>
+              <a:buFont typeface="Wingdings" panose="05000000000000000000" pitchFamily="2" charset="2"/>
+              <a:buNone/>
+            </a:pPr>
+            <a:r>
+              <a:rPr lang="en-US" altLang="zh-CN" sz="2000" b="1" dirty="0">
+                <a:solidFill>
+                  <a:srgbClr val="0432FF"/>
+                </a:solidFill>
+                <a:latin typeface="Courier New" panose="02070309020205020404" pitchFamily="49" charset="0"/>
+              </a:rPr>
+              <a:t>};</a:t>
+            </a:r>
+          </a:p>
+          <a:p>
+            <a:pPr>
+              <a:lnSpc>
+                <a:spcPct val="80000"/>
+              </a:lnSpc>
+              <a:buFont typeface="Wingdings" panose="05000000000000000000" pitchFamily="2" charset="2"/>
+              <a:buNone/>
+            </a:pPr>
+            <a:r>
+              <a:rPr lang="en-US" altLang="zh-CN" sz="2000" b="1" dirty="0">
+                <a:solidFill>
+                  <a:srgbClr val="0432FF"/>
+                </a:solidFill>
+                <a:latin typeface="Courier New" panose="02070309020205020404" pitchFamily="49" charset="0"/>
+              </a:rPr>
+              <a:t>typedef struct </a:t>
             </a:r>
             <a:r>
               <a:rPr lang="en-US" altLang="zh-CN" sz="2000" b="1" dirty="0" err="1">
                 <a:solidFill>
-                  <a:schemeClr val="folHlink"/>
+                  <a:srgbClr val="0432FF"/>
                 </a:solidFill>
                 <a:latin typeface="Courier New" panose="02070309020205020404" pitchFamily="49" charset="0"/>
               </a:rPr>
@@ -5425,94 +5527,16 @@
             <a:r>
               <a:rPr lang="en-US" altLang="zh-CN" sz="2000" b="1" dirty="0">
                 <a:solidFill>
-                  <a:schemeClr val="folHlink"/>
-                </a:solidFill>
-                <a:latin typeface="Courier New" panose="02070309020205020404" pitchFamily="49" charset="0"/>
-              </a:rPr>
-              <a:t>{</a:t>
-            </a:r>
-          </a:p>
-          <a:p>
-            <a:pPr>
-              <a:lnSpc>
-                <a:spcPct val="80000"/>
-              </a:lnSpc>
-              <a:buFont typeface="Wingdings" panose="05000000000000000000" pitchFamily="2" charset="2"/>
-              <a:buNone/>
-            </a:pPr>
-            <a:r>
-              <a:rPr lang="en-US" altLang="zh-CN" sz="2000" b="1" dirty="0">
-                <a:latin typeface="Courier New" panose="02070309020205020404" pitchFamily="49" charset="0"/>
-              </a:rPr>
-              <a:t>	// change to a more fancy one? Anger “main”…</a:t>
-            </a:r>
-          </a:p>
-          <a:p>
-            <a:pPr>
-              <a:lnSpc>
-                <a:spcPct val="80000"/>
-              </a:lnSpc>
-              <a:buFont typeface="Wingdings" panose="05000000000000000000" pitchFamily="2" charset="2"/>
-              <a:buNone/>
-            </a:pPr>
-            <a:r>
-              <a:rPr lang="en-US" altLang="zh-CN" sz="2000" b="1" dirty="0">
-                <a:solidFill>
-                  <a:schemeClr val="folHlink"/>
-                </a:solidFill>
-                <a:latin typeface="Courier New" panose="02070309020205020404" pitchFamily="49" charset="0"/>
-              </a:rPr>
-              <a:t>	</a:t>
-            </a:r>
-            <a:r>
-              <a:rPr lang="en-US" altLang="zh-CN" sz="2000" b="1" dirty="0">
-                <a:solidFill>
-                  <a:schemeClr val="hlink"/>
-                </a:solidFill>
-                <a:latin typeface="Courier New" panose="02070309020205020404" pitchFamily="49" charset="0"/>
-              </a:rPr>
-              <a:t>double a[2];</a:t>
-            </a:r>
-          </a:p>
-          <a:p>
-            <a:pPr>
-              <a:lnSpc>
-                <a:spcPct val="80000"/>
-              </a:lnSpc>
-              <a:buFont typeface="Wingdings" panose="05000000000000000000" pitchFamily="2" charset="2"/>
-              <a:buNone/>
-            </a:pPr>
-            <a:r>
-              <a:rPr lang="en-US" altLang="zh-CN" sz="2000" b="1" dirty="0">
-                <a:solidFill>
-                  <a:schemeClr val="folHlink"/>
-                </a:solidFill>
-                <a:latin typeface="Courier New" panose="02070309020205020404" pitchFamily="49" charset="0"/>
-              </a:rPr>
-              <a:t>};</a:t>
-            </a:r>
-          </a:p>
-          <a:p>
-            <a:pPr>
-              <a:lnSpc>
-                <a:spcPct val="80000"/>
-              </a:lnSpc>
-              <a:buFont typeface="Wingdings" panose="05000000000000000000" pitchFamily="2" charset="2"/>
-              <a:buNone/>
-            </a:pPr>
-            <a:r>
-              <a:rPr lang="en-US" altLang="zh-CN" sz="2000" b="1" dirty="0">
-                <a:solidFill>
-                  <a:schemeClr val="folHlink"/>
-                </a:solidFill>
-                <a:latin typeface="Courier New" panose="02070309020205020404" pitchFamily="49" charset="0"/>
-              </a:rPr>
-              <a:t>typedef struct </a:t>
+                  <a:srgbClr val="0432FF"/>
+                </a:solidFill>
+                <a:latin typeface="Courier New" panose="02070309020205020404" pitchFamily="49" charset="0"/>
+              </a:rPr>
+              <a:t> </a:t>
             </a:r>
             <a:r>
               <a:rPr lang="en-US" altLang="zh-CN" sz="2000" b="1" dirty="0" err="1">
                 <a:solidFill>
-                  <a:schemeClr val="folHlink"/>
+                  <a:srgbClr val="0432FF"/>
                 </a:solidFill>
                 <a:latin typeface="Courier New" panose="02070309020205020404" pitchFamily="49" charset="0"/>
               </a:rPr>
@@ -5521,25 +5545,7 @@
             <a:r>
               <a:rPr lang="en-US" altLang="zh-CN" sz="2000" b="1" dirty="0">
                 <a:solidFill>
-                  <a:schemeClr val="folHlink"/>
-                </a:solidFill>
-                <a:latin typeface="Courier New" panose="02070309020205020404" pitchFamily="49" charset="0"/>
-              </a:rPr>
-              <a:t> </a:t>
-            </a:r>
-            <a:r>
-              <a:rPr lang="en-US" altLang="zh-CN" sz="2000" b="1" dirty="0" err="1">
-                <a:solidFill>
-                  <a:schemeClr val="folHlink"/>
-                </a:solidFill>
-                <a:latin typeface="Courier New" panose="02070309020205020404" pitchFamily="49" charset="0"/>
-              </a:rPr>
-              <a:t>Complex_t</a:t>
-            </a:r>
-            <a:r>
-              <a:rPr lang="en-US" altLang="zh-CN" sz="2000" b="1" dirty="0">
-                <a:solidFill>
-                  <a:schemeClr val="folHlink"/>
+                  <a:srgbClr val="0432FF"/>
                 </a:solidFill>
                 <a:latin typeface="Courier New" panose="02070309020205020404" pitchFamily="49" charset="0"/>
               </a:rPr>
@@ -5556,7 +5562,7 @@
             </a:pPr>
             <a:endParaRPr lang="en-US" altLang="zh-CN" sz="2000" b="1" dirty="0">
               <a:solidFill>
-                <a:schemeClr val="folHlink"/>
+                <a:srgbClr val="0432FF"/>
               </a:solidFill>
               <a:latin typeface="Courier New" panose="02070309020205020404" pitchFamily="49" charset="0"/>
             </a:endParaRPr>
@@ -5572,7 +5578,7 @@
             <a:r>
               <a:rPr lang="en-US" altLang="zh-CN" sz="2000" b="1" dirty="0" err="1">
                 <a:solidFill>
-                  <a:schemeClr val="folHlink"/>
+                  <a:srgbClr val="0432FF"/>
                 </a:solidFill>
                 <a:latin typeface="Courier New" panose="02070309020205020404" pitchFamily="49" charset="0"/>
               </a:rPr>
@@ -5581,7 +5587,7 @@
             <a:r>
               <a:rPr lang="en-US" altLang="zh-CN" sz="2000" b="1" dirty="0">
                 <a:solidFill>
-                  <a:schemeClr val="folHlink"/>
+                  <a:srgbClr val="0432FF"/>
                 </a:solidFill>
                 <a:latin typeface="Courier New" panose="02070309020205020404" pitchFamily="49" charset="0"/>
               </a:rPr>
@@ -5590,7 +5596,7 @@
             <a:r>
               <a:rPr lang="en-US" altLang="zh-CN" sz="2000" b="1" dirty="0" err="1">
                 <a:solidFill>
-                  <a:schemeClr val="folHlink"/>
+                  <a:srgbClr val="0432FF"/>
                 </a:solidFill>
                 <a:latin typeface="Courier New" panose="02070309020205020404" pitchFamily="49" charset="0"/>
               </a:rPr>
@@ -5599,7 +5605,7 @@
             <a:r>
               <a:rPr lang="en-US" altLang="zh-CN" sz="2000" b="1" dirty="0">
                 <a:solidFill>
-                  <a:schemeClr val="folHlink"/>
+                  <a:srgbClr val="0432FF"/>
                 </a:solidFill>
                 <a:latin typeface="Courier New" panose="02070309020205020404" pitchFamily="49" charset="0"/>
               </a:rPr>
@@ -5632,7 +5638,7 @@
             <a:r>
               <a:rPr lang="en-US" altLang="zh-CN" sz="2000" b="1" dirty="0">
                 <a:solidFill>
-                  <a:schemeClr val="folHlink"/>
+                  <a:srgbClr val="0432FF"/>
                 </a:solidFill>
                 <a:latin typeface="Courier New" panose="02070309020205020404" pitchFamily="49" charset="0"/>
               </a:rPr>
@@ -5649,7 +5655,7 @@
             </a:pPr>
             <a:endParaRPr lang="en-US" altLang="zh-CN" sz="2000" b="1" dirty="0">
               <a:solidFill>
-                <a:schemeClr val="folHlink"/>
+                <a:srgbClr val="0432FF"/>
               </a:solidFill>
               <a:latin typeface="Courier New" panose="02070309020205020404" pitchFamily="49" charset="0"/>
             </a:endParaRPr>
@@ -5665,7 +5671,7 @@
             <a:r>
               <a:rPr lang="en-US" altLang="zh-CN" sz="2000" b="1" dirty="0">
                 <a:solidFill>
-                  <a:schemeClr val="folHlink"/>
+                  <a:srgbClr val="0432FF"/>
                 </a:solidFill>
                 <a:latin typeface="Courier New" panose="02070309020205020404" pitchFamily="49" charset="0"/>
               </a:rPr>
@@ -5737,62 +5743,71 @@
           <a:lstStyle/>
           <a:p>
             <a:r>
-              <a:rPr lang="en-US" altLang="zh-CN" sz="2800"/>
-              <a:t>Operations are transparent. </a:t>
+              <a:rPr lang="en-US" altLang="zh-CN" sz="2800" dirty="0"/>
+              <a:t>Data</a:t>
+            </a:r>
+            <a:r>
+              <a:rPr lang="zh-CN" altLang="en-US" sz="2800" dirty="0"/>
+              <a:t> </a:t>
+            </a:r>
+            <a:r>
+              <a:rPr lang="en-US" altLang="zh-CN" sz="2800" dirty="0"/>
+              <a:t>representation are transparent. </a:t>
             </a:r>
           </a:p>
           <a:p>
             <a:pPr lvl="1"/>
             <a:r>
-              <a:rPr lang="en-US" altLang="zh-CN" sz="2400"/>
-              <a:t>user code have no idea of the algorithm</a:t>
+              <a:rPr lang="en-US" altLang="zh-CN" sz="2400" dirty="0"/>
+              <a:t>Good!</a:t>
+            </a:r>
+          </a:p>
+          <a:p>
+            <a:r>
+              <a:rPr lang="en-US" altLang="zh-CN" sz="2800" dirty="0"/>
+              <a:t>External</a:t>
+            </a:r>
+            <a:r>
+              <a:rPr lang="zh-CN" altLang="en-US" sz="2800" dirty="0"/>
+              <a:t> </a:t>
+            </a:r>
+            <a:r>
+              <a:rPr lang="en-US" altLang="zh-CN" sz="2800" dirty="0"/>
+              <a:t>dependence</a:t>
             </a:r>
           </a:p>
           <a:p>
             <a:pPr lvl="1"/>
             <a:r>
-              <a:rPr lang="en-US" altLang="zh-CN" sz="2400"/>
-              <a:t>Good!</a:t>
-            </a:r>
-          </a:p>
-          <a:p>
-            <a:r>
-              <a:rPr lang="en-US" altLang="zh-CN" sz="2800"/>
-              <a:t>Data representations dependence</a:t>
+              <a:rPr lang="en-US" altLang="zh-CN" sz="2400" dirty="0"/>
+              <a:t>Problem #1: Client code can access data directly</a:t>
+            </a:r>
+          </a:p>
+          <a:p>
+            <a:pPr lvl="2"/>
+            <a:r>
+              <a:rPr lang="en-US" altLang="zh-CN" sz="2000" dirty="0"/>
+              <a:t>kick away the interface</a:t>
+            </a:r>
+          </a:p>
+          <a:p>
+            <a:pPr lvl="2"/>
+            <a:r>
+              <a:rPr lang="en-US" altLang="zh-CN" sz="2000" dirty="0"/>
+              <a:t>safe?</a:t>
             </a:r>
           </a:p>
           <a:p>
             <a:pPr lvl="1"/>
             <a:r>
-              <a:rPr lang="en-US" altLang="zh-CN" sz="2400"/>
-              <a:t>Problem #1: Client code can access data directly</a:t>
+              <a:rPr lang="en-US" altLang="zh-CN" sz="2400" dirty="0"/>
+              <a:t>Problem #2: make code rigid</a:t>
             </a:r>
           </a:p>
           <a:p>
             <a:pPr lvl="2"/>
             <a:r>
-              <a:rPr lang="en-US" altLang="zh-CN" sz="2000"/>
-              <a:t>kick away the interface</a:t>
-            </a:r>
-          </a:p>
-          <a:p>
-            <a:pPr lvl="2"/>
-            <a:r>
-              <a:rPr lang="en-US" altLang="zh-CN" sz="2000"/>
-              <a:t>safe?</a:t>
-            </a:r>
-          </a:p>
-          <a:p>
-            <a:pPr lvl="1"/>
-            <a:r>
-              <a:rPr lang="en-US" altLang="zh-CN" sz="2400"/>
-              <a:t>Problem #2: make code rigid</a:t>
-            </a:r>
-          </a:p>
-          <a:p>
-            <a:pPr lvl="2"/>
-            <a:r>
-              <a:rPr lang="en-US" altLang="zh-CN" sz="2000"/>
+              <a:rPr lang="en-US" altLang="zh-CN" sz="2000" dirty="0"/>
               <a:t>easy to change or evolve?</a:t>
             </a:r>
           </a:p>
@@ -5914,7 +5929,7 @@
             <a:r>
               <a:rPr lang="en-US" altLang="zh-CN" sz="2000" b="1" dirty="0">
                 <a:solidFill>
-                  <a:schemeClr val="folHlink"/>
+                  <a:srgbClr val="0432FF"/>
                 </a:solidFill>
                 <a:latin typeface="Courier New" panose="02070309020205020404" pitchFamily="49" charset="0"/>
               </a:rPr>
@@ -5923,7 +5938,7 @@
             <a:r>
               <a:rPr lang="en-US" altLang="zh-CN" sz="2000" b="1" dirty="0" err="1">
                 <a:solidFill>
-                  <a:schemeClr val="folHlink"/>
+                  <a:srgbClr val="0432FF"/>
                 </a:solidFill>
                 <a:latin typeface="Courier New" panose="02070309020205020404" pitchFamily="49" charset="0"/>
               </a:rPr>
@@ -5932,7 +5947,7 @@
             <a:r>
               <a:rPr lang="en-US" altLang="zh-CN" sz="2000" b="1" dirty="0">
                 <a:solidFill>
-                  <a:schemeClr val="folHlink"/>
+                  <a:srgbClr val="0432FF"/>
                 </a:solidFill>
                 <a:latin typeface="Courier New" panose="02070309020205020404" pitchFamily="49" charset="0"/>
               </a:rPr>
@@ -5950,7 +5965,7 @@
             <a:r>
               <a:rPr lang="en-US" altLang="zh-CN" sz="2000" b="1" dirty="0">
                 <a:solidFill>
-                  <a:schemeClr val="folHlink"/>
+                  <a:srgbClr val="0432FF"/>
                 </a:solidFill>
                 <a:latin typeface="Courier New" panose="02070309020205020404" pitchFamily="49" charset="0"/>
               </a:rPr>
@@ -5967,7 +5982,7 @@
             </a:pPr>
             <a:endParaRPr lang="en-US" altLang="zh-CN" sz="2000" b="1" dirty="0">
               <a:solidFill>
-                <a:schemeClr val="folHlink"/>
+                <a:srgbClr val="0432FF"/>
               </a:solidFill>
               <a:latin typeface="Courier New" panose="02070309020205020404" pitchFamily="49" charset="0"/>
             </a:endParaRPr>
@@ -5990,14 +6005,17 @@
               <a:rPr lang="en-US" altLang="zh-CN" sz="2000" b="1" dirty="0" err="1">
                 <a:latin typeface="Courier New" panose="02070309020205020404" pitchFamily="49" charset="0"/>
               </a:rPr>
-              <a:t>complexStruct</a:t>
-            </a:r>
-            <a:r>
-              <a:rPr lang="en-US" altLang="zh-CN" sz="2000" b="1" dirty="0">
-                <a:latin typeface="Courier New" panose="02070309020205020404" pitchFamily="49" charset="0"/>
-              </a:rPr>
-              <a:t>” not given</a:t>
-            </a:r>
+              <a:t>Complex_t”’s</a:t>
+            </a:r>
+            <a:r>
+              <a:rPr lang="zh-CN" altLang="en-US" sz="2000" b="1" dirty="0">
+                <a:latin typeface="Courier New" panose="02070309020205020404" pitchFamily="49" charset="0"/>
+              </a:rPr>
+              <a:t> </a:t>
+            </a:r>
+            <a:endParaRPr lang="en-US" altLang="zh-CN" sz="2000" b="1" dirty="0">
+              <a:latin typeface="Courier New" panose="02070309020205020404" pitchFamily="49" charset="0"/>
+            </a:endParaRPr>
           </a:p>
           <a:p>
             <a:pPr>
@@ -6009,8 +6027,47 @@
             </a:pPr>
             <a:r>
               <a:rPr lang="en-US" altLang="zh-CN" sz="2000" b="1" dirty="0">
-                <a:solidFill>
-                  <a:schemeClr val="folHlink"/>
+                <a:latin typeface="Courier New" panose="02070309020205020404" pitchFamily="49" charset="0"/>
+              </a:rPr>
+              <a:t>//</a:t>
+            </a:r>
+            <a:r>
+              <a:rPr lang="zh-CN" altLang="en-US" sz="2000" b="1" dirty="0">
+                <a:latin typeface="Courier New" panose="02070309020205020404" pitchFamily="49" charset="0"/>
+              </a:rPr>
+              <a:t> </a:t>
+            </a:r>
+            <a:r>
+              <a:rPr lang="en-US" altLang="zh-CN" sz="2000" b="1" dirty="0">
+                <a:latin typeface="Courier New" panose="02070309020205020404" pitchFamily="49" charset="0"/>
+              </a:rPr>
+              <a:t>definition is</a:t>
+            </a:r>
+            <a:r>
+              <a:rPr lang="zh-CN" altLang="en-US" sz="2000" b="1" dirty="0">
+                <a:latin typeface="Courier New" panose="02070309020205020404" pitchFamily="49" charset="0"/>
+              </a:rPr>
+              <a:t> </a:t>
+            </a:r>
+            <a:r>
+              <a:rPr lang="en-US" altLang="zh-CN" sz="2000" b="1" dirty="0">
+                <a:latin typeface="Courier New" panose="02070309020205020404" pitchFamily="49" charset="0"/>
+              </a:rPr>
+              <a:t>not given:</a:t>
+            </a:r>
+          </a:p>
+          <a:p>
+            <a:pPr>
+              <a:lnSpc>
+                <a:spcPct val="80000"/>
+              </a:lnSpc>
+              <a:buFont typeface="Wingdings" panose="05000000000000000000" pitchFamily="2" charset="2"/>
+              <a:buNone/>
+            </a:pPr>
+            <a:r>
+              <a:rPr lang="en-US" altLang="zh-CN" sz="2000" b="1" dirty="0">
+                <a:solidFill>
+                  <a:srgbClr val="0432FF"/>
                 </a:solidFill>
                 <a:latin typeface="Courier New" panose="02070309020205020404" pitchFamily="49" charset="0"/>
               </a:rPr>
@@ -6019,7 +6076,7 @@
             <a:r>
               <a:rPr lang="en-US" altLang="zh-CN" sz="2000" b="1" dirty="0" err="1">
                 <a:solidFill>
-                  <a:schemeClr val="folHlink"/>
+                  <a:srgbClr val="0432FF"/>
                 </a:solidFill>
                 <a:latin typeface="Courier New" panose="02070309020205020404" pitchFamily="49" charset="0"/>
               </a:rPr>
@@ -6028,7 +6085,7 @@
             <a:r>
               <a:rPr lang="en-US" altLang="zh-CN" sz="2000" b="1" dirty="0">
                 <a:solidFill>
-                  <a:schemeClr val="folHlink"/>
+                  <a:srgbClr val="0432FF"/>
                 </a:solidFill>
                 <a:latin typeface="Courier New" panose="02070309020205020404" pitchFamily="49" charset="0"/>
               </a:rPr>
@@ -6037,7 +6094,7 @@
             <a:r>
               <a:rPr lang="en-US" altLang="zh-CN" sz="2000" b="1" dirty="0" err="1">
                 <a:solidFill>
-                  <a:schemeClr val="folHlink"/>
+                  <a:srgbClr val="0432FF"/>
                 </a:solidFill>
                 <a:latin typeface="Courier New" panose="02070309020205020404" pitchFamily="49" charset="0"/>
               </a:rPr>
@@ -6046,7 +6103,7 @@
             <a:r>
               <a:rPr lang="en-US" altLang="zh-CN" sz="2000" b="1" dirty="0">
                 <a:solidFill>
-                  <a:schemeClr val="folHlink"/>
+                  <a:srgbClr val="0432FF"/>
                 </a:solidFill>
                 <a:latin typeface="Courier New" panose="02070309020205020404" pitchFamily="49" charset="0"/>
               </a:rPr>
@@ -6063,7 +6120,7 @@
             </a:pPr>
             <a:endParaRPr lang="en-US" altLang="zh-CN" sz="2000" b="1" dirty="0">
               <a:solidFill>
-                <a:schemeClr val="folHlink"/>
+                <a:srgbClr val="0432FF"/>
               </a:solidFill>
               <a:latin typeface="Courier New" panose="02070309020205020404" pitchFamily="49" charset="0"/>
             </a:endParaRPr>
@@ -6079,7 +6136,7 @@
             <a:r>
               <a:rPr lang="en-US" altLang="zh-CN" sz="2000" b="1" dirty="0" err="1">
                 <a:solidFill>
-                  <a:schemeClr val="folHlink"/>
+                  <a:srgbClr val="0432FF"/>
                 </a:solidFill>
                 <a:latin typeface="Courier New" panose="02070309020205020404" pitchFamily="49" charset="0"/>
               </a:rPr>
@@ -6088,7 +6145,7 @@
             <a:r>
               <a:rPr lang="en-US" altLang="zh-CN" sz="2000" b="1" dirty="0">
                 <a:solidFill>
-                  <a:schemeClr val="folHlink"/>
+                  <a:srgbClr val="0432FF"/>
                 </a:solidFill>
                 <a:latin typeface="Courier New" panose="02070309020205020404" pitchFamily="49" charset="0"/>
               </a:rPr>
@@ -6097,7 +6154,7 @@
             <a:r>
               <a:rPr lang="en-US" altLang="zh-CN" sz="2000" b="1" dirty="0" err="1">
                 <a:solidFill>
-                  <a:schemeClr val="folHlink"/>
+                  <a:srgbClr val="0432FF"/>
                 </a:solidFill>
                 <a:latin typeface="Courier New" panose="02070309020205020404" pitchFamily="49" charset="0"/>
               </a:rPr>
@@ -6106,7 +6163,7 @@
             <a:r>
               <a:rPr lang="en-US" altLang="zh-CN" sz="2000" b="1" dirty="0">
                 <a:solidFill>
-                  <a:schemeClr val="folHlink"/>
+                  <a:srgbClr val="0432FF"/>
                 </a:solidFill>
                 <a:latin typeface="Courier New" panose="02070309020205020404" pitchFamily="49" charset="0"/>
               </a:rPr>
@@ -6139,7 +6196,7 @@
             <a:r>
               <a:rPr lang="en-US" altLang="zh-CN" sz="2000" b="1" dirty="0">
                 <a:solidFill>
-                  <a:schemeClr val="folHlink"/>
+                  <a:srgbClr val="0432FF"/>
                 </a:solidFill>
                 <a:latin typeface="Courier New" panose="02070309020205020404" pitchFamily="49" charset="0"/>
               </a:rPr>
@@ -6156,7 +6213,7 @@
             </a:pPr>
             <a:endParaRPr lang="en-US" altLang="zh-CN" sz="2000" b="1" dirty="0">
               <a:solidFill>
-                <a:schemeClr val="folHlink"/>
+                <a:srgbClr val="0432FF"/>
               </a:solidFill>
               <a:latin typeface="Courier New" panose="02070309020205020404" pitchFamily="49" charset="0"/>
             </a:endParaRPr>
@@ -6172,7 +6229,7 @@
             <a:r>
               <a:rPr lang="en-US" altLang="zh-CN" sz="2000" b="1" dirty="0">
                 <a:solidFill>
-                  <a:schemeClr val="folHlink"/>
+                  <a:srgbClr val="0432FF"/>
                 </a:solidFill>
                 <a:latin typeface="Courier New" panose="02070309020205020404" pitchFamily="49" charset="0"/>
               </a:rPr>
@@ -6255,6 +6312,67 @@
                       </p:childTnLst>
                     </p:cTn>
                   </p:par>
+                  <p:par>
+                    <p:cTn id="8" fill="hold">
+                      <p:stCondLst>
+                        <p:cond delay="indefinite"/>
+                      </p:stCondLst>
+                      <p:childTnLst>
+                        <p:par>
+                          <p:cTn id="9" fill="hold">
+                            <p:stCondLst>
+                              <p:cond delay="0"/>
+                            </p:stCondLst>
+                            <p:childTnLst>
+                              <p:par>
+                                <p:cTn id="10" presetID="3" presetClass="entr" presetSubtype="10" fill="hold" nodeType="clickEffect">
+                                  <p:stCondLst>
+                                    <p:cond delay="0"/>
+                                  </p:stCondLst>
+                                  <p:childTnLst>
+                                    <p:set>
+                                      <p:cBhvr>
+                                        <p:cTn id="11" dur="1" fill="hold">
+                                          <p:stCondLst>
+                                            <p:cond delay="0"/>
+                                          </p:stCondLst>
+                                        </p:cTn>
+                                        <p:tgtEl>
+                                          <p:spTgt spid="234499">
+                                            <p:txEl>
+                                              <p:pRg st="5" end="5"/>
+                                            </p:txEl>
+                                          </p:spTgt>
+                                        </p:tgtEl>
+                                        <p:attrNameLst>
+                                          <p:attrName>style.visibility</p:attrName>
+                                        </p:attrNameLst>
+                                      </p:cBhvr>
+                                      <p:to>
+                                        <p:strVal val="visible"/>
+                                      </p:to>
+                                    </p:set>
+                                    <p:animEffect transition="in" filter="blinds(horizontal)">
+                                      <p:cBhvr>
+                                        <p:cTn id="12" dur="500"/>
+                                        <p:tgtEl>
+                                          <p:spTgt spid="234499">
+                                            <p:txEl>
+                                              <p:pRg st="5" end="5"/>
+                                            </p:txEl>
+                                          </p:spTgt>
+                                        </p:tgtEl>
+                                      </p:cBhvr>
+                                    </p:animEffect>
+                                  </p:childTnLst>
+                                </p:cTn>
+                              </p:par>
+                            </p:childTnLst>
+                          </p:cTn>
+                        </p:par>
+                      </p:childTnLst>
+                    </p:cTn>
+                  </p:par>
                 </p:childTnLst>
               </p:cTn>
               <p:prevCondLst>
@@ -6421,7 +6539,7 @@
             </a:pPr>
             <a:endParaRPr lang="en-US" altLang="zh-CN" sz="2000" b="1" dirty="0">
               <a:solidFill>
-                <a:schemeClr val="tx2"/>
+                <a:srgbClr val="0432FF"/>
               </a:solidFill>
               <a:latin typeface="Courier New" panose="02070309020205020404" pitchFamily="49" charset="0"/>
             </a:endParaRPr>
@@ -6437,15 +6555,12 @@
             <a:r>
               <a:rPr lang="en-US" altLang="zh-CN" sz="2000" b="1" dirty="0">
                 <a:solidFill>
-                  <a:schemeClr val="folHlink"/>
+                  <a:srgbClr val="0432FF"/>
                 </a:solidFill>
                 <a:latin typeface="Courier New" panose="02070309020205020404" pitchFamily="49" charset="0"/>
               </a:rPr>
               <a:t>int main(){ </a:t>
             </a:r>
-            <a:endParaRPr lang="en-US" altLang="zh-CN" sz="2000" b="1" dirty="0">
-              <a:latin typeface="Courier New" panose="02070309020205020404" pitchFamily="49" charset="0"/>
-            </a:endParaRPr>
           </a:p>
           <a:p>
             <a:pPr>
@@ -6458,7 +6573,7 @@
             <a:r>
               <a:rPr lang="en-US" altLang="zh-CN" sz="2000" b="1" dirty="0">
                 <a:solidFill>
-                  <a:schemeClr val="folHlink"/>
+                  <a:srgbClr val="0432FF"/>
                 </a:solidFill>
                 <a:latin typeface="Courier New" panose="02070309020205020404" pitchFamily="49" charset="0"/>
               </a:rPr>
@@ -6467,7 +6582,7 @@
             <a:r>
               <a:rPr lang="en-US" altLang="zh-CN" sz="2000" b="1" dirty="0" err="1">
                 <a:solidFill>
-                  <a:schemeClr val="folHlink"/>
+                  <a:srgbClr val="0432FF"/>
                 </a:solidFill>
                 <a:latin typeface="Courier New" panose="02070309020205020404" pitchFamily="49" charset="0"/>
               </a:rPr>
@@ -6476,7 +6591,7 @@
             <a:r>
               <a:rPr lang="en-US" altLang="zh-CN" sz="2000" b="1" dirty="0">
                 <a:solidFill>
-                  <a:schemeClr val="folHlink"/>
+                  <a:srgbClr val="0432FF"/>
                 </a:solidFill>
                 <a:latin typeface="Courier New" panose="02070309020205020404" pitchFamily="49" charset="0"/>
               </a:rPr>
@@ -6493,7 +6608,7 @@
             </a:pPr>
             <a:endParaRPr lang="en-US" altLang="zh-CN" sz="2000" b="1" dirty="0">
               <a:solidFill>
-                <a:schemeClr val="folHlink"/>
+                <a:srgbClr val="0432FF"/>
               </a:solidFill>
               <a:latin typeface="Courier New" panose="02070309020205020404" pitchFamily="49" charset="0"/>
             </a:endParaRPr>
@@ -6509,7 +6624,7 @@
             <a:r>
               <a:rPr lang="en-US" altLang="zh-CN" sz="2000" b="1" dirty="0">
                 <a:solidFill>
-                  <a:schemeClr val="folHlink"/>
+                  <a:srgbClr val="0432FF"/>
                 </a:solidFill>
                 <a:latin typeface="Courier New" panose="02070309020205020404" pitchFamily="49" charset="0"/>
               </a:rPr>
@@ -6518,7 +6633,7 @@
             <a:r>
               <a:rPr lang="en-US" altLang="zh-CN" sz="2000" b="1" dirty="0" err="1">
                 <a:solidFill>
-                  <a:schemeClr val="folHlink"/>
+                  <a:srgbClr val="0432FF"/>
                 </a:solidFill>
                 <a:latin typeface="Courier New" panose="02070309020205020404" pitchFamily="49" charset="0"/>
               </a:rPr>
@@ -6527,7 +6642,7 @@
             <a:r>
               <a:rPr lang="en-US" altLang="zh-CN" sz="2000" b="1" dirty="0">
                 <a:solidFill>
-                  <a:schemeClr val="folHlink"/>
+                  <a:srgbClr val="0432FF"/>
                 </a:solidFill>
                 <a:latin typeface="Courier New" panose="02070309020205020404" pitchFamily="49" charset="0"/>
               </a:rPr>
@@ -6545,7 +6660,7 @@
             <a:r>
               <a:rPr lang="en-US" altLang="zh-CN" sz="2000" b="1" dirty="0">
                 <a:solidFill>
-                  <a:schemeClr val="folHlink"/>
+                  <a:srgbClr val="0432FF"/>
                 </a:solidFill>
                 <a:latin typeface="Courier New" panose="02070309020205020404" pitchFamily="49" charset="0"/>
               </a:rPr>
@@ -6554,7 +6669,7 @@
             <a:r>
               <a:rPr lang="en-US" altLang="zh-CN" sz="2000" b="1" dirty="0" err="1">
                 <a:solidFill>
-                  <a:schemeClr val="folHlink"/>
+                  <a:srgbClr val="0432FF"/>
                 </a:solidFill>
                 <a:latin typeface="Courier New" panose="02070309020205020404" pitchFamily="49" charset="0"/>
               </a:rPr>
@@ -6563,7 +6678,7 @@
             <a:r>
               <a:rPr lang="en-US" altLang="zh-CN" sz="2000" b="1" dirty="0">
                 <a:solidFill>
-                  <a:schemeClr val="folHlink"/>
+                  <a:srgbClr val="0432FF"/>
                 </a:solidFill>
                 <a:latin typeface="Courier New" panose="02070309020205020404" pitchFamily="49" charset="0"/>
               </a:rPr>
@@ -6581,7 +6696,7 @@
             <a:r>
               <a:rPr lang="en-US" altLang="zh-CN" sz="2000" b="1" dirty="0">
                 <a:solidFill>
-                  <a:schemeClr val="folHlink"/>
+                  <a:srgbClr val="0432FF"/>
                 </a:solidFill>
                 <a:latin typeface="Courier New" panose="02070309020205020404" pitchFamily="49" charset="0"/>
               </a:rPr>
@@ -6590,7 +6705,7 @@
             <a:r>
               <a:rPr lang="en-US" altLang="zh-CN" sz="2000" b="1" dirty="0" err="1">
                 <a:solidFill>
-                  <a:schemeClr val="folHlink"/>
+                  <a:srgbClr val="0432FF"/>
                 </a:solidFill>
                 <a:latin typeface="Courier New" panose="02070309020205020404" pitchFamily="49" charset="0"/>
               </a:rPr>
@@ -6599,7 +6714,7 @@
             <a:r>
               <a:rPr lang="en-US" altLang="zh-CN" sz="2000" b="1" dirty="0">
                 <a:solidFill>
-                  <a:schemeClr val="folHlink"/>
+                  <a:srgbClr val="0432FF"/>
                 </a:solidFill>
                 <a:latin typeface="Courier New" panose="02070309020205020404" pitchFamily="49" charset="0"/>
               </a:rPr>
@@ -6617,7 +6732,7 @@
             <a:r>
               <a:rPr lang="en-US" altLang="zh-CN" sz="2000" b="1" dirty="0">
                 <a:solidFill>
-                  <a:schemeClr val="folHlink"/>
+                  <a:srgbClr val="0432FF"/>
                 </a:solidFill>
                 <a:latin typeface="Courier New" panose="02070309020205020404" pitchFamily="49" charset="0"/>
               </a:rPr>
@@ -6626,7 +6741,7 @@
             <a:r>
               <a:rPr lang="en-US" altLang="zh-CN" sz="2000" b="1" dirty="0" err="1">
                 <a:solidFill>
-                  <a:schemeClr val="folHlink"/>
+                  <a:srgbClr val="0432FF"/>
                 </a:solidFill>
                 <a:latin typeface="Courier New" panose="02070309020205020404" pitchFamily="49" charset="0"/>
               </a:rPr>
@@ -6635,7 +6750,7 @@
             <a:r>
               <a:rPr lang="en-US" altLang="zh-CN" sz="2000" b="1" dirty="0">
                 <a:solidFill>
-                  <a:schemeClr val="folHlink"/>
+                  <a:srgbClr val="0432FF"/>
                 </a:solidFill>
                 <a:latin typeface="Courier New" panose="02070309020205020404" pitchFamily="49" charset="0"/>
               </a:rPr>
@@ -6653,7 +6768,7 @@
             <a:r>
               <a:rPr lang="en-US" altLang="zh-CN" sz="2000" b="1" dirty="0">
                 <a:solidFill>
-                  <a:schemeClr val="folHlink"/>
+                  <a:srgbClr val="0432FF"/>
                 </a:solidFill>
                 <a:latin typeface="Courier New" panose="02070309020205020404" pitchFamily="49" charset="0"/>
               </a:rPr>
@@ -6671,7 +6786,7 @@
             <a:r>
               <a:rPr lang="en-US" altLang="zh-CN" sz="2000" b="1" dirty="0">
                 <a:solidFill>
-                  <a:schemeClr val="folHlink"/>
+                  <a:srgbClr val="0432FF"/>
                 </a:solidFill>
                 <a:latin typeface="Courier New" panose="02070309020205020404" pitchFamily="49" charset="0"/>
               </a:rPr>
@@ -7003,7 +7118,7 @@
               <a:rPr lang="en-US" altLang="zh-CN" sz="2000" b="1" dirty="0">
                 <a:latin typeface="Courier New" panose="02070309020205020404" pitchFamily="49" charset="0"/>
               </a:rPr>
-              <a:t>// In a file “</a:t>
+              <a:t>// file “</a:t>
             </a:r>
             <a:r>
               <a:rPr lang="en-US" altLang="zh-CN" sz="2000" b="1" dirty="0" err="1">
@@ -7029,7 +7144,7 @@
             <a:r>
               <a:rPr lang="en-US" altLang="zh-CN" sz="2000" b="1" dirty="0">
                 <a:solidFill>
-                  <a:schemeClr val="folHlink"/>
+                  <a:srgbClr val="0432FF"/>
                 </a:solidFill>
                 <a:latin typeface="Courier New" panose="02070309020205020404" pitchFamily="49" charset="0"/>
               </a:rPr>
@@ -7038,7 +7153,7 @@
             <a:r>
               <a:rPr lang="en-US" altLang="zh-CN" sz="2000" b="1" dirty="0" err="1">
                 <a:solidFill>
-                  <a:schemeClr val="folHlink"/>
+                  <a:srgbClr val="0432FF"/>
                 </a:solidFill>
                 <a:latin typeface="Courier New" panose="02070309020205020404" pitchFamily="49" charset="0"/>
               </a:rPr>
@@ -7047,7 +7162,7 @@
             <a:r>
               <a:rPr lang="en-US" altLang="zh-CN" sz="2000" b="1" dirty="0">
                 <a:solidFill>
-                  <a:schemeClr val="folHlink"/>
+                  <a:srgbClr val="0432FF"/>
                 </a:solidFill>
                 <a:latin typeface="Courier New" panose="02070309020205020404" pitchFamily="49" charset="0"/>
               </a:rPr>
@@ -7081,7 +7196,43 @@
               <a:rPr lang="en-US" altLang="zh-CN" sz="2000" b="1" dirty="0">
                 <a:latin typeface="Courier New" panose="02070309020205020404" pitchFamily="49" charset="0"/>
               </a:rPr>
-              <a:t>// We may choose to define complex type as:</a:t>
+              <a:t>// The</a:t>
+            </a:r>
+            <a:r>
+              <a:rPr lang="zh-CN" altLang="en-US" sz="2000" b="1" dirty="0">
+                <a:latin typeface="Courier New" panose="02070309020205020404" pitchFamily="49" charset="0"/>
+              </a:rPr>
+              <a:t> </a:t>
+            </a:r>
+            <a:r>
+              <a:rPr lang="en-US" altLang="zh-CN" sz="2000" b="1" dirty="0">
+                <a:latin typeface="Courier New" panose="02070309020205020404" pitchFamily="49" charset="0"/>
+              </a:rPr>
+              <a:t>representation</a:t>
+            </a:r>
+            <a:r>
+              <a:rPr lang="zh-CN" altLang="en-US" sz="2000" b="1" dirty="0">
+                <a:latin typeface="Courier New" panose="02070309020205020404" pitchFamily="49" charset="0"/>
+              </a:rPr>
+              <a:t> </a:t>
+            </a:r>
+            <a:r>
+              <a:rPr lang="en-US" altLang="zh-CN" sz="2000" b="1" dirty="0">
+                <a:latin typeface="Courier New" panose="02070309020205020404" pitchFamily="49" charset="0"/>
+              </a:rPr>
+              <a:t>of</a:t>
+            </a:r>
+            <a:r>
+              <a:rPr lang="zh-CN" altLang="en-US" sz="2000" b="1" dirty="0">
+                <a:latin typeface="Courier New" panose="02070309020205020404" pitchFamily="49" charset="0"/>
+              </a:rPr>
+              <a:t> </a:t>
+            </a:r>
+            <a:r>
+              <a:rPr lang="en-US" altLang="zh-CN" sz="2000" b="1" dirty="0">
+                <a:latin typeface="Courier New" panose="02070309020205020404" pitchFamily="49" charset="0"/>
+              </a:rPr>
+              <a:t>complex type:</a:t>
             </a:r>
           </a:p>
           <a:p>
@@ -7095,7 +7246,7 @@
             <a:r>
               <a:rPr lang="en-US" altLang="zh-CN" sz="2000" b="1" dirty="0">
                 <a:solidFill>
-                  <a:schemeClr val="folHlink"/>
+                  <a:srgbClr val="0432FF"/>
                 </a:solidFill>
                 <a:latin typeface="Courier New" panose="02070309020205020404" pitchFamily="49" charset="0"/>
               </a:rPr>
@@ -7104,7 +7255,7 @@
             <a:r>
               <a:rPr lang="en-US" altLang="zh-CN" sz="2000" b="1" dirty="0" err="1">
                 <a:solidFill>
-                  <a:schemeClr val="folHlink"/>
+                  <a:srgbClr val="0432FF"/>
                 </a:solidFill>
                 <a:latin typeface="Courier New" panose="02070309020205020404" pitchFamily="49" charset="0"/>
               </a:rPr>
@@ -7113,7 +7264,7 @@
             <a:r>
               <a:rPr lang="en-US" altLang="zh-CN" sz="2000" b="1" dirty="0">
                 <a:solidFill>
-                  <a:schemeClr val="folHlink"/>
+                  <a:srgbClr val="0432FF"/>
                 </a:solidFill>
                 <a:latin typeface="Courier New" panose="02070309020205020404" pitchFamily="49" charset="0"/>
               </a:rPr>
@@ -7131,7 +7282,7 @@
             <a:r>
               <a:rPr lang="en-US" altLang="zh-CN" sz="2000" b="1" dirty="0">
                 <a:solidFill>
-                  <a:schemeClr val="folHlink"/>
+                  <a:srgbClr val="0432FF"/>
                 </a:solidFill>
                 <a:latin typeface="Courier New" panose="02070309020205020404" pitchFamily="49" charset="0"/>
               </a:rPr>
@@ -7149,7 +7300,7 @@
             <a:r>
               <a:rPr lang="en-US" altLang="zh-CN" sz="2000" b="1" dirty="0">
                 <a:solidFill>
-                  <a:schemeClr val="folHlink"/>
+                  <a:srgbClr val="0432FF"/>
                 </a:solidFill>
                 <a:latin typeface="Courier New" panose="02070309020205020404" pitchFamily="49" charset="0"/>
               </a:rPr>
@@ -7167,7 +7318,7 @@
             <a:r>
               <a:rPr lang="en-US" altLang="zh-CN" sz="2000" b="1" dirty="0">
                 <a:solidFill>
-                  <a:schemeClr val="folHlink"/>
+                  <a:srgbClr val="0432FF"/>
                 </a:solidFill>
                 <a:latin typeface="Courier New" panose="02070309020205020404" pitchFamily="49" charset="0"/>
               </a:rPr>
@@ -7232,15 +7383,23 @@
           <a:lstStyle/>
           <a:p>
             <a:r>
-              <a:rPr lang="en-US" altLang="zh-CN"/>
+              <a:rPr lang="en-US" altLang="zh-CN" dirty="0"/>
               <a:t>ADT Complex: </a:t>
             </a:r>
             <a:br>
-              <a:rPr lang="en-US" altLang="zh-CN"/>
+              <a:rPr lang="en-US" altLang="zh-CN" dirty="0"/>
             </a:br>
             <a:r>
-              <a:rPr lang="en-US" altLang="zh-CN"/>
-              <a:t>Implementation Continued</a:t>
+              <a:rPr lang="en-US" altLang="zh-CN" dirty="0"/>
+              <a:t>Implementation </a:t>
+            </a:r>
+            <a:r>
+              <a:rPr lang="en-US" altLang="zh-CN" dirty="0" err="1"/>
+              <a:t>cont</a:t>
+            </a:r>
+            <a:r>
+              <a:rPr lang="en-US" altLang="zh-CN" dirty="0"/>
+              <a:t>’</a:t>
             </a:r>
           </a:p>
         </p:txBody>
@@ -7297,7 +7456,7 @@
             <a:r>
               <a:rPr lang="en-US" altLang="zh-CN" sz="2000" b="1" dirty="0">
                 <a:solidFill>
-                  <a:schemeClr val="folHlink"/>
+                  <a:srgbClr val="0432FF"/>
                 </a:solidFill>
                 <a:latin typeface="Courier New" panose="02070309020205020404" pitchFamily="49" charset="0"/>
               </a:rPr>
@@ -7306,7 +7465,7 @@
             <a:r>
               <a:rPr lang="en-US" altLang="zh-CN" sz="2000" b="1" dirty="0" err="1">
                 <a:solidFill>
-                  <a:schemeClr val="folHlink"/>
+                  <a:srgbClr val="0432FF"/>
                 </a:solidFill>
                 <a:latin typeface="Courier New" panose="02070309020205020404" pitchFamily="49" charset="0"/>
               </a:rPr>
@@ -7315,7 +7474,7 @@
             <a:r>
               <a:rPr lang="en-US" altLang="zh-CN" sz="2000" b="1" dirty="0">
                 <a:solidFill>
-                  <a:schemeClr val="folHlink"/>
+                  <a:srgbClr val="0432FF"/>
                 </a:solidFill>
                 <a:latin typeface="Courier New" panose="02070309020205020404" pitchFamily="49" charset="0"/>
               </a:rPr>
@@ -7332,7 +7491,7 @@
             </a:pPr>
             <a:endParaRPr lang="en-US" altLang="zh-CN" sz="2000" b="1" dirty="0">
               <a:solidFill>
-                <a:schemeClr val="folHlink"/>
+                <a:srgbClr val="0432FF"/>
               </a:solidFill>
               <a:latin typeface="Courier New" panose="02070309020205020404" pitchFamily="49" charset="0"/>
             </a:endParaRPr>
@@ -7348,7 +7507,7 @@
             <a:r>
               <a:rPr lang="en-US" altLang="zh-CN" sz="2000" b="1" dirty="0" err="1">
                 <a:solidFill>
-                  <a:schemeClr val="folHlink"/>
+                  <a:srgbClr val="0432FF"/>
                 </a:solidFill>
                 <a:latin typeface="Courier New" panose="02070309020205020404" pitchFamily="49" charset="0"/>
               </a:rPr>
@@ -7357,7 +7516,7 @@
             <a:r>
               <a:rPr lang="en-US" altLang="zh-CN" sz="2000" b="1" dirty="0">
                 <a:solidFill>
-                  <a:schemeClr val="folHlink"/>
+                  <a:srgbClr val="0432FF"/>
                 </a:solidFill>
                 <a:latin typeface="Courier New" panose="02070309020205020404" pitchFamily="49" charset="0"/>
               </a:rPr>
@@ -7366,7 +7525,7 @@
             <a:r>
               <a:rPr lang="en-US" altLang="zh-CN" sz="2000" b="1" dirty="0" err="1">
                 <a:solidFill>
-                  <a:schemeClr val="folHlink"/>
+                  <a:srgbClr val="0432FF"/>
                 </a:solidFill>
                 <a:latin typeface="Courier New" panose="02070309020205020404" pitchFamily="49" charset="0"/>
               </a:rPr>
@@ -7375,7 +7534,7 @@
             <a:r>
               <a:rPr lang="en-US" altLang="zh-CN" sz="2000" b="1" dirty="0">
                 <a:solidFill>
-                  <a:schemeClr val="folHlink"/>
+                  <a:srgbClr val="0432FF"/>
                 </a:solidFill>
                 <a:latin typeface="Courier New" panose="02070309020205020404" pitchFamily="49" charset="0"/>
               </a:rPr>
@@ -7393,7 +7552,7 @@
             <a:r>
               <a:rPr lang="en-US" altLang="zh-CN" sz="2000" b="1" dirty="0">
                 <a:solidFill>
-                  <a:schemeClr val="folHlink"/>
+                  <a:srgbClr val="0432FF"/>
                 </a:solidFill>
                 <a:latin typeface="Courier New" panose="02070309020205020404" pitchFamily="49" charset="0"/>
               </a:rPr>
@@ -7402,7 +7561,7 @@
             <a:r>
               <a:rPr lang="en-US" altLang="zh-CN" sz="2000" b="1" dirty="0" err="1">
                 <a:solidFill>
-                  <a:schemeClr val="folHlink"/>
+                  <a:srgbClr val="0432FF"/>
                 </a:solidFill>
                 <a:latin typeface="Courier New" panose="02070309020205020404" pitchFamily="49" charset="0"/>
               </a:rPr>
@@ -7411,7 +7570,7 @@
             <a:r>
               <a:rPr lang="en-US" altLang="zh-CN" sz="2000" b="1" dirty="0">
                 <a:solidFill>
-                  <a:schemeClr val="folHlink"/>
+                  <a:srgbClr val="0432FF"/>
                 </a:solidFill>
                 <a:latin typeface="Courier New" panose="02070309020205020404" pitchFamily="49" charset="0"/>
               </a:rPr>
@@ -7420,7 +7579,7 @@
             <a:r>
               <a:rPr lang="zh-CN" altLang="en-US" sz="2000" b="1" dirty="0">
                 <a:solidFill>
-                  <a:schemeClr val="folHlink"/>
+                  <a:srgbClr val="0432FF"/>
                 </a:solidFill>
                 <a:latin typeface="Courier New" panose="02070309020205020404" pitchFamily="49" charset="0"/>
               </a:rPr>
@@ -7429,16 +7588,43 @@
             <a:r>
               <a:rPr lang="en-US" altLang="zh-CN" sz="2000" b="1" dirty="0">
                 <a:solidFill>
-                  <a:schemeClr val="folHlink"/>
-                </a:solidFill>
-                <a:latin typeface="Courier New" panose="02070309020205020404" pitchFamily="49" charset="0"/>
-              </a:rPr>
-              <a:t>= malloc(</a:t>
+                  <a:srgbClr val="0432FF"/>
+                </a:solidFill>
+                <a:latin typeface="Courier New" panose="02070309020205020404" pitchFamily="49" charset="0"/>
+              </a:rPr>
+              <a:t>= </a:t>
             </a:r>
             <a:r>
               <a:rPr lang="en-US" altLang="zh-CN" sz="2000" b="1" dirty="0" err="1">
                 <a:solidFill>
-                  <a:schemeClr val="folHlink"/>
+                  <a:srgbClr val="0432FF"/>
+                </a:solidFill>
+                <a:latin typeface="Courier New" panose="02070309020205020404" pitchFamily="49" charset="0"/>
+              </a:rPr>
+              <a:t>calloc</a:t>
+            </a:r>
+            <a:r>
+              <a:rPr lang="en-US" altLang="zh-CN" sz="2000" b="1" dirty="0">
+                <a:solidFill>
+                  <a:srgbClr val="0432FF"/>
+                </a:solidFill>
+                <a:latin typeface="Courier New" panose="02070309020205020404" pitchFamily="49" charset="0"/>
+              </a:rPr>
+              <a:t>(1,</a:t>
+            </a:r>
+            <a:r>
+              <a:rPr lang="zh-CN" altLang="en-US" sz="2000" b="1" dirty="0">
+                <a:solidFill>
+                  <a:srgbClr val="0432FF"/>
+                </a:solidFill>
+                <a:latin typeface="Courier New" panose="02070309020205020404" pitchFamily="49" charset="0"/>
+              </a:rPr>
+              <a:t> </a:t>
+            </a:r>
+            <a:r>
+              <a:rPr lang="en-US" altLang="zh-CN" sz="2000" b="1" dirty="0" err="1">
+                <a:solidFill>
+                  <a:srgbClr val="0432FF"/>
                 </a:solidFill>
                 <a:latin typeface="Courier New" panose="02070309020205020404" pitchFamily="49" charset="0"/>
               </a:rPr>
@@ -7447,7 +7633,7 @@
             <a:r>
               <a:rPr lang="en-US" altLang="zh-CN" sz="2000" b="1" dirty="0">
                 <a:solidFill>
-                  <a:schemeClr val="folHlink"/>
+                  <a:srgbClr val="0432FF"/>
                 </a:solidFill>
                 <a:latin typeface="Courier New" panose="02070309020205020404" pitchFamily="49" charset="0"/>
               </a:rPr>
@@ -7465,7 +7651,7 @@
             <a:r>
               <a:rPr lang="en-US" altLang="zh-CN" sz="2000" b="1" dirty="0">
                 <a:solidFill>
-                  <a:schemeClr val="folHlink"/>
+                  <a:srgbClr val="0432FF"/>
                 </a:solidFill>
                 <a:latin typeface="Courier New" panose="02070309020205020404" pitchFamily="49" charset="0"/>
               </a:rPr>
@@ -7483,7 +7669,7 @@
             <a:r>
               <a:rPr lang="en-US" altLang="zh-CN" sz="2000" b="1" dirty="0">
                 <a:solidFill>
-                  <a:schemeClr val="folHlink"/>
+                  <a:srgbClr val="0432FF"/>
                 </a:solidFill>
                 <a:latin typeface="Courier New" panose="02070309020205020404" pitchFamily="49" charset="0"/>
               </a:rPr>
@@ -7501,7 +7687,7 @@
             <a:r>
               <a:rPr lang="en-US" altLang="zh-CN" sz="2000" b="1" dirty="0">
                 <a:solidFill>
-                  <a:schemeClr val="folHlink"/>
+                  <a:srgbClr val="0432FF"/>
                 </a:solidFill>
                 <a:latin typeface="Courier New" panose="02070309020205020404" pitchFamily="49" charset="0"/>
               </a:rPr>
@@ -7519,7 +7705,7 @@
             <a:r>
               <a:rPr lang="en-US" altLang="zh-CN" sz="2000" b="1" dirty="0">
                 <a:solidFill>
-                  <a:schemeClr val="folHlink"/>
+                  <a:srgbClr val="0432FF"/>
                 </a:solidFill>
                 <a:latin typeface="Courier New" panose="02070309020205020404" pitchFamily="49" charset="0"/>
               </a:rPr>
@@ -7699,7 +7885,7 @@
           <a:p>
             <a:r>
               <a:rPr lang="en-US" altLang="zh-CN" dirty="0"/>
-              <a:t>the</a:t>
+              <a:t>The</a:t>
             </a:r>
             <a:r>
               <a:rPr lang="zh-CN" altLang="en-US" dirty="0"/>
@@ -7707,7 +7893,15 @@
             </a:r>
             <a:r>
               <a:rPr lang="en-US" altLang="zh-CN" dirty="0"/>
-              <a:t>Interface + implementation</a:t>
+              <a:t>i</a:t>
+            </a:r>
+            <a:r>
+              <a:rPr lang="en-US" altLang="zh-CN"/>
+              <a:t>nterface </a:t>
+            </a:r>
+            <a:r>
+              <a:rPr lang="en-US" altLang="zh-CN" dirty="0"/>
+              <a:t>+ implementation</a:t>
             </a:r>
             <a:r>
               <a:rPr lang="zh-CN" altLang="en-US" dirty="0"/>
@@ -7775,14 +7969,22 @@
             <a:pPr lvl="2"/>
             <a:r>
               <a:rPr lang="en-US" altLang="zh-CN" dirty="0"/>
-              <a:t>client code can NOT access it</a:t>
+              <a:t>client code can NOT access them</a:t>
             </a:r>
           </a:p>
           <a:p>
             <a:pPr lvl="2"/>
             <a:r>
               <a:rPr lang="en-US" altLang="zh-CN" dirty="0"/>
-              <a:t>thus, client code independent of the impl</a:t>
+              <a:t>thus, client code is</a:t>
+            </a:r>
+            <a:r>
+              <a:rPr lang="zh-CN" altLang="en-US" dirty="0"/>
+              <a:t> </a:t>
+            </a:r>
+            <a:r>
+              <a:rPr lang="en-US" altLang="zh-CN" dirty="0"/>
+              <a:t>independent of the impl</a:t>
             </a:r>
             <a:r>
               <a:rPr lang="en-US" altLang="zh-CN" dirty="0">
@@ -8674,7 +8876,7 @@
               <a:rPr lang="en-US" altLang="zh-CN" sz="2000" b="1" dirty="0">
                 <a:latin typeface="Courier New" panose="02070309020205020404" pitchFamily="49" charset="0"/>
               </a:rPr>
-              <a:t>// Recall the definition of a complex number c:</a:t>
+              <a:t>// The definition of a complex number c:</a:t>
             </a:r>
           </a:p>
           <a:p>
@@ -8687,23 +8889,17 @@
             </a:pPr>
             <a:r>
               <a:rPr lang="en-US" altLang="zh-CN" sz="2000" b="1" dirty="0">
-                <a:latin typeface="Courier New" panose="02070309020205020404" pitchFamily="49" charset="0"/>
-              </a:rPr>
-              <a:t>   </a:t>
-            </a:r>
-            <a:r>
-              <a:rPr lang="en-US" altLang="zh-CN" sz="2000" b="1" dirty="0">
-                <a:solidFill>
-                  <a:schemeClr val="folHlink"/>
-                </a:solidFill>
-                <a:latin typeface="Courier New" panose="02070309020205020404" pitchFamily="49" charset="0"/>
-              </a:rPr>
-              <a:t>c = x + </a:t>
+                <a:solidFill>
+                  <a:srgbClr val="0432FF"/>
+                </a:solidFill>
+                <a:latin typeface="Courier New" panose="02070309020205020404" pitchFamily="49" charset="0"/>
+              </a:rPr>
+              <a:t>   c = x + </a:t>
             </a:r>
             <a:r>
               <a:rPr lang="en-US" altLang="zh-CN" sz="2000" b="1" dirty="0" err="1">
                 <a:solidFill>
-                  <a:schemeClr val="folHlink"/>
+                  <a:srgbClr val="0432FF"/>
                 </a:solidFill>
                 <a:latin typeface="Courier New" panose="02070309020205020404" pitchFamily="49" charset="0"/>
               </a:rPr>
@@ -8712,7 +8908,7 @@
             <a:r>
               <a:rPr lang="en-US" altLang="zh-CN" sz="2000" b="1" dirty="0">
                 <a:solidFill>
-                  <a:schemeClr val="folHlink"/>
+                  <a:srgbClr val="0432FF"/>
                 </a:solidFill>
                 <a:latin typeface="Courier New" panose="02070309020205020404" pitchFamily="49" charset="0"/>
               </a:rPr>
@@ -8721,7 +8917,7 @@
             <a:r>
               <a:rPr lang="en-US" altLang="zh-CN" sz="2000" b="1" dirty="0" err="1">
                 <a:solidFill>
-                  <a:schemeClr val="folHlink"/>
+                  <a:srgbClr val="0432FF"/>
                 </a:solidFill>
                 <a:latin typeface="Courier New" panose="02070309020205020404" pitchFamily="49" charset="0"/>
               </a:rPr>
@@ -8730,7 +8926,7 @@
             <a:r>
               <a:rPr lang="en-US" altLang="zh-CN" sz="2000" b="1" dirty="0">
                 <a:solidFill>
-                  <a:schemeClr val="folHlink"/>
+                  <a:srgbClr val="0432FF"/>
                 </a:solidFill>
                 <a:latin typeface="Courier New" panose="02070309020205020404" pitchFamily="49" charset="0"/>
               </a:rPr>
@@ -8739,7 +8935,7 @@
             <a:r>
               <a:rPr lang="en-US" altLang="zh-CN" sz="2000" b="1" dirty="0" err="1">
                 <a:solidFill>
-                  <a:schemeClr val="folHlink"/>
+                  <a:srgbClr val="0432FF"/>
                 </a:solidFill>
                 <a:latin typeface="Courier New" panose="02070309020205020404" pitchFamily="49" charset="0"/>
               </a:rPr>
@@ -8748,7 +8944,7 @@
             <a:r>
               <a:rPr lang="en-US" altLang="zh-CN" sz="2000" b="1" dirty="0">
                 <a:solidFill>
-                  <a:schemeClr val="folHlink"/>
+                  <a:srgbClr val="0432FF"/>
                 </a:solidFill>
                 <a:latin typeface="Courier New" panose="02070309020205020404" pitchFamily="49" charset="0"/>
               </a:rPr>
@@ -8794,18 +8990,27 @@
               <a:buNone/>
             </a:pPr>
             <a:r>
-              <a:rPr lang="en-US" altLang="zh-CN" sz="2000" b="1" dirty="0">
-                <a:solidFill>
-                  <a:schemeClr val="folHlink"/>
-                </a:solidFill>
-                <a:latin typeface="Courier New" panose="02070309020205020404" pitchFamily="49" charset="0"/>
-              </a:rPr>
-              <a:t>complex </a:t>
-            </a:r>
-            <a:r>
               <a:rPr lang="en-US" altLang="zh-CN" sz="2000" b="1" dirty="0" err="1">
                 <a:solidFill>
-                  <a:schemeClr val="folHlink"/>
+                  <a:srgbClr val="0432FF"/>
+                </a:solidFill>
+                <a:latin typeface="Courier New" panose="02070309020205020404" pitchFamily="49" charset="0"/>
+              </a:rPr>
+              <a:t>Complex_t</a:t>
+            </a:r>
+            <a:r>
+              <a:rPr lang="en-US" altLang="zh-CN" sz="2000" b="1" dirty="0">
+                <a:solidFill>
+                  <a:srgbClr val="0432FF"/>
+                </a:solidFill>
+                <a:latin typeface="Courier New" panose="02070309020205020404" pitchFamily="49" charset="0"/>
+              </a:rPr>
+              <a:t> </a:t>
+            </a:r>
+            <a:r>
+              <a:rPr lang="en-US" altLang="zh-CN" sz="2000" b="1" dirty="0" err="1">
+                <a:solidFill>
+                  <a:srgbClr val="0432FF"/>
                 </a:solidFill>
                 <a:latin typeface="Courier New" panose="02070309020205020404" pitchFamily="49" charset="0"/>
               </a:rPr>
@@ -8814,7 +9019,7 @@
             <a:r>
               <a:rPr lang="en-US" altLang="zh-CN" sz="2000" b="1" dirty="0">
                 <a:solidFill>
-                  <a:schemeClr val="folHlink"/>
+                  <a:srgbClr val="0432FF"/>
                 </a:solidFill>
                 <a:latin typeface="Courier New" panose="02070309020205020404" pitchFamily="49" charset="0"/>
               </a:rPr>
@@ -8826,22 +9031,30 @@
               <a:lnSpc>
                 <a:spcPct val="80000"/>
               </a:lnSpc>
-              <a:buFont typeface="Wingdings" panose="05000000000000000000" pitchFamily="2" charset="2"/>
-              <a:buNone/>
-            </a:pPr>
-            <a:r>
-              <a:rPr lang="en-US" altLang="zh-CN" sz="2000" b="1" dirty="0">
-                <a:solidFill>
-                  <a:schemeClr val="folHlink"/>
-                </a:solidFill>
-                <a:latin typeface="Courier New" panose="02070309020205020404" pitchFamily="49" charset="0"/>
-              </a:rPr>
-              <a:t>complex </a:t>
-            </a:r>
+              <a:buNone/>
+            </a:pPr>
             <a:r>
               <a:rPr lang="en-US" altLang="zh-CN" sz="2000" b="1" dirty="0" err="1">
                 <a:solidFill>
-                  <a:schemeClr val="folHlink"/>
+                  <a:srgbClr val="0432FF"/>
+                </a:solidFill>
+                <a:latin typeface="Courier New" panose="02070309020205020404" pitchFamily="49" charset="0"/>
+              </a:rPr>
+              <a:t>Complex_t</a:t>
+            </a:r>
+            <a:r>
+              <a:rPr lang="en-US" altLang="zh-CN" sz="2000" b="1" dirty="0">
+                <a:solidFill>
+                  <a:srgbClr val="0432FF"/>
+                </a:solidFill>
+                <a:latin typeface="Courier New" panose="02070309020205020404" pitchFamily="49" charset="0"/>
+              </a:rPr>
+              <a:t> </a:t>
+            </a:r>
+            <a:r>
+              <a:rPr lang="en-US" altLang="zh-CN" sz="2000" b="1" dirty="0" err="1">
+                <a:solidFill>
+                  <a:srgbClr val="0432FF"/>
                 </a:solidFill>
                 <a:latin typeface="Courier New" panose="02070309020205020404" pitchFamily="49" charset="0"/>
               </a:rPr>
@@ -8850,11 +9063,47 @@
             <a:r>
               <a:rPr lang="en-US" altLang="zh-CN" sz="2000" b="1" dirty="0">
                 <a:solidFill>
-                  <a:schemeClr val="folHlink"/>
-                </a:solidFill>
-                <a:latin typeface="Courier New" panose="02070309020205020404" pitchFamily="49" charset="0"/>
-              </a:rPr>
-              <a:t>(complex c1, complex c2); </a:t>
+                  <a:srgbClr val="0432FF"/>
+                </a:solidFill>
+                <a:latin typeface="Courier New" panose="02070309020205020404" pitchFamily="49" charset="0"/>
+              </a:rPr>
+              <a:t>(</a:t>
+            </a:r>
+            <a:r>
+              <a:rPr lang="en-US" altLang="zh-CN" sz="2000" b="1" dirty="0" err="1">
+                <a:solidFill>
+                  <a:srgbClr val="0432FF"/>
+                </a:solidFill>
+                <a:latin typeface="Courier New" panose="02070309020205020404" pitchFamily="49" charset="0"/>
+              </a:rPr>
+              <a:t>Complex_t</a:t>
+            </a:r>
+            <a:r>
+              <a:rPr lang="en-US" altLang="zh-CN" sz="2000" b="1" dirty="0">
+                <a:solidFill>
+                  <a:srgbClr val="0432FF"/>
+                </a:solidFill>
+                <a:latin typeface="Courier New" panose="02070309020205020404" pitchFamily="49" charset="0"/>
+              </a:rPr>
+              <a:t> c1, </a:t>
+            </a:r>
+            <a:r>
+              <a:rPr lang="en-US" altLang="zh-CN" sz="2000" b="1" dirty="0" err="1">
+                <a:solidFill>
+                  <a:srgbClr val="0432FF"/>
+                </a:solidFill>
+                <a:latin typeface="Courier New" panose="02070309020205020404" pitchFamily="49" charset="0"/>
+              </a:rPr>
+              <a:t>Complex_t</a:t>
+            </a:r>
+            <a:r>
+              <a:rPr lang="en-US" altLang="zh-CN" sz="2000" b="1" dirty="0">
+                <a:solidFill>
+                  <a:srgbClr val="0432FF"/>
+                </a:solidFill>
+                <a:latin typeface="Courier New" panose="02070309020205020404" pitchFamily="49" charset="0"/>
+              </a:rPr>
+              <a:t> c2); </a:t>
             </a:r>
           </a:p>
           <a:p>
@@ -8862,22 +9111,30 @@
               <a:lnSpc>
                 <a:spcPct val="80000"/>
               </a:lnSpc>
-              <a:buFont typeface="Wingdings" panose="05000000000000000000" pitchFamily="2" charset="2"/>
-              <a:buNone/>
-            </a:pPr>
-            <a:r>
-              <a:rPr lang="en-US" altLang="zh-CN" sz="2000" b="1" dirty="0">
-                <a:solidFill>
-                  <a:schemeClr val="folHlink"/>
-                </a:solidFill>
-                <a:latin typeface="Courier New" panose="02070309020205020404" pitchFamily="49" charset="0"/>
-              </a:rPr>
-              <a:t>complex </a:t>
-            </a:r>
+              <a:buNone/>
+            </a:pPr>
             <a:r>
               <a:rPr lang="en-US" altLang="zh-CN" sz="2000" b="1" dirty="0" err="1">
                 <a:solidFill>
-                  <a:schemeClr val="folHlink"/>
+                  <a:srgbClr val="0432FF"/>
+                </a:solidFill>
+                <a:latin typeface="Courier New" panose="02070309020205020404" pitchFamily="49" charset="0"/>
+              </a:rPr>
+              <a:t>Complex_t</a:t>
+            </a:r>
+            <a:r>
+              <a:rPr lang="en-US" altLang="zh-CN" sz="2000" b="1" dirty="0">
+                <a:solidFill>
+                  <a:srgbClr val="0432FF"/>
+                </a:solidFill>
+                <a:latin typeface="Courier New" panose="02070309020205020404" pitchFamily="49" charset="0"/>
+              </a:rPr>
+              <a:t> </a:t>
+            </a:r>
+            <a:r>
+              <a:rPr lang="en-US" altLang="zh-CN" sz="2000" b="1" dirty="0" err="1">
+                <a:solidFill>
+                  <a:srgbClr val="0432FF"/>
                 </a:solidFill>
                 <a:latin typeface="Courier New" panose="02070309020205020404" pitchFamily="49" charset="0"/>
               </a:rPr>
@@ -8886,11 +9143,47 @@
             <a:r>
               <a:rPr lang="en-US" altLang="zh-CN" sz="2000" b="1" dirty="0">
                 <a:solidFill>
-                  <a:schemeClr val="folHlink"/>
-                </a:solidFill>
-                <a:latin typeface="Courier New" panose="02070309020205020404" pitchFamily="49" charset="0"/>
-              </a:rPr>
-              <a:t>(complex c1, complex c2);</a:t>
+                  <a:srgbClr val="0432FF"/>
+                </a:solidFill>
+                <a:latin typeface="Courier New" panose="02070309020205020404" pitchFamily="49" charset="0"/>
+              </a:rPr>
+              <a:t>(</a:t>
+            </a:r>
+            <a:r>
+              <a:rPr lang="en-US" altLang="zh-CN" sz="2000" b="1" dirty="0" err="1">
+                <a:solidFill>
+                  <a:srgbClr val="0432FF"/>
+                </a:solidFill>
+                <a:latin typeface="Courier New" panose="02070309020205020404" pitchFamily="49" charset="0"/>
+              </a:rPr>
+              <a:t>Complex_t</a:t>
+            </a:r>
+            <a:r>
+              <a:rPr lang="en-US" altLang="zh-CN" sz="2000" b="1" dirty="0">
+                <a:solidFill>
+                  <a:srgbClr val="0432FF"/>
+                </a:solidFill>
+                <a:latin typeface="Courier New" panose="02070309020205020404" pitchFamily="49" charset="0"/>
+              </a:rPr>
+              <a:t> c1, </a:t>
+            </a:r>
+            <a:r>
+              <a:rPr lang="en-US" altLang="zh-CN" sz="2000" b="1" dirty="0" err="1">
+                <a:solidFill>
+                  <a:srgbClr val="0432FF"/>
+                </a:solidFill>
+                <a:latin typeface="Courier New" panose="02070309020205020404" pitchFamily="49" charset="0"/>
+              </a:rPr>
+              <a:t>Complex_t</a:t>
+            </a:r>
+            <a:r>
+              <a:rPr lang="en-US" altLang="zh-CN" sz="2000" b="1" dirty="0">
+                <a:solidFill>
+                  <a:srgbClr val="0432FF"/>
+                </a:solidFill>
+                <a:latin typeface="Courier New" panose="02070309020205020404" pitchFamily="49" charset="0"/>
+              </a:rPr>
+              <a:t> c2);</a:t>
             </a:r>
           </a:p>
           <a:p>
@@ -8898,35 +9191,79 @@
               <a:lnSpc>
                 <a:spcPct val="80000"/>
               </a:lnSpc>
-              <a:buFont typeface="Wingdings" panose="05000000000000000000" pitchFamily="2" charset="2"/>
-              <a:buNone/>
-            </a:pPr>
-            <a:r>
-              <a:rPr lang="en-US" altLang="zh-CN" sz="2000" b="1" dirty="0">
-                <a:solidFill>
-                  <a:schemeClr val="folHlink"/>
-                </a:solidFill>
-                <a:latin typeface="Courier New" panose="02070309020205020404" pitchFamily="49" charset="0"/>
-              </a:rPr>
-              <a:t>complex </a:t>
-            </a:r>
+              <a:buNone/>
+            </a:pPr>
             <a:r>
               <a:rPr lang="en-US" altLang="zh-CN" sz="2000" b="1" dirty="0" err="1">
                 <a:solidFill>
-                  <a:schemeClr val="folHlink"/>
-                </a:solidFill>
-                <a:latin typeface="Courier New" panose="02070309020205020404" pitchFamily="49" charset="0"/>
-              </a:rPr>
-              <a:t>Complex_mult</a:t>
-            </a:r>
-            <a:r>
-              <a:rPr lang="en-US" altLang="zh-CN" sz="2000" b="1" dirty="0">
-                <a:solidFill>
-                  <a:schemeClr val="folHlink"/>
-                </a:solidFill>
-                <a:latin typeface="Courier New" panose="02070309020205020404" pitchFamily="49" charset="0"/>
-              </a:rPr>
-              <a:t>(complex c1, complex c2);</a:t>
+                  <a:srgbClr val="0432FF"/>
+                </a:solidFill>
+                <a:latin typeface="Courier New" panose="02070309020205020404" pitchFamily="49" charset="0"/>
+              </a:rPr>
+              <a:t>Complex_t</a:t>
+            </a:r>
+            <a:r>
+              <a:rPr lang="en-US" altLang="zh-CN" sz="2000" b="1" dirty="0">
+                <a:solidFill>
+                  <a:srgbClr val="0432FF"/>
+                </a:solidFill>
+                <a:latin typeface="Courier New" panose="02070309020205020404" pitchFamily="49" charset="0"/>
+              </a:rPr>
+              <a:t> </a:t>
+            </a:r>
+            <a:r>
+              <a:rPr lang="en-US" altLang="zh-CN" sz="2000" b="1" dirty="0" err="1">
+                <a:solidFill>
+                  <a:srgbClr val="0432FF"/>
+                </a:solidFill>
+                <a:latin typeface="Courier New" panose="02070309020205020404" pitchFamily="49" charset="0"/>
+              </a:rPr>
+              <a:t>Complex_mul</a:t>
+            </a:r>
+            <a:r>
+              <a:rPr lang="en-US" altLang="zh-CN" sz="2000" b="1" dirty="0">
+                <a:solidFill>
+                  <a:srgbClr val="0432FF"/>
+                </a:solidFill>
+                <a:latin typeface="Courier New" panose="02070309020205020404" pitchFamily="49" charset="0"/>
+              </a:rPr>
+              <a:t>(</a:t>
+            </a:r>
+            <a:r>
+              <a:rPr lang="en-US" altLang="zh-CN" sz="2000" b="1" dirty="0" err="1">
+                <a:solidFill>
+                  <a:srgbClr val="0432FF"/>
+                </a:solidFill>
+                <a:latin typeface="Courier New" panose="02070309020205020404" pitchFamily="49" charset="0"/>
+              </a:rPr>
+              <a:t>Complex_t</a:t>
+            </a:r>
+            <a:r>
+              <a:rPr lang="en-US" altLang="zh-CN" sz="2000" b="1" dirty="0">
+                <a:solidFill>
+                  <a:srgbClr val="0432FF"/>
+                </a:solidFill>
+                <a:latin typeface="Courier New" panose="02070309020205020404" pitchFamily="49" charset="0"/>
+              </a:rPr>
+              <a:t> c1, </a:t>
+            </a:r>
+            <a:r>
+              <a:rPr lang="en-US" altLang="zh-CN" sz="2000" b="1" dirty="0" err="1">
+                <a:solidFill>
+                  <a:srgbClr val="0432FF"/>
+                </a:solidFill>
+                <a:latin typeface="Courier New" panose="02070309020205020404" pitchFamily="49" charset="0"/>
+              </a:rPr>
+              <a:t>Complex_t</a:t>
+            </a:r>
+            <a:r>
+              <a:rPr lang="en-US" altLang="zh-CN" sz="2000" b="1" dirty="0">
+                <a:solidFill>
+                  <a:srgbClr val="0432FF"/>
+                </a:solidFill>
+                <a:latin typeface="Courier New" panose="02070309020205020404" pitchFamily="49" charset="0"/>
+              </a:rPr>
+              <a:t> c2);</a:t>
             </a:r>
           </a:p>
           <a:p>
@@ -8934,35 +9271,79 @@
               <a:lnSpc>
                 <a:spcPct val="80000"/>
               </a:lnSpc>
-              <a:buFont typeface="Wingdings" panose="05000000000000000000" pitchFamily="2" charset="2"/>
-              <a:buNone/>
-            </a:pPr>
-            <a:r>
-              <a:rPr lang="en-US" altLang="zh-CN" sz="2000" b="1" dirty="0">
-                <a:solidFill>
-                  <a:schemeClr val="folHlink"/>
-                </a:solidFill>
-                <a:latin typeface="Courier New" panose="02070309020205020404" pitchFamily="49" charset="0"/>
-              </a:rPr>
-              <a:t>complex </a:t>
-            </a:r>
+              <a:buNone/>
+            </a:pPr>
             <a:r>
               <a:rPr lang="en-US" altLang="zh-CN" sz="2000" b="1" dirty="0" err="1">
                 <a:solidFill>
-                  <a:schemeClr val="folHlink"/>
-                </a:solidFill>
-                <a:latin typeface="Courier New" panose="02070309020205020404" pitchFamily="49" charset="0"/>
-              </a:rPr>
-              <a:t>Complex_divide</a:t>
-            </a:r>
-            <a:r>
-              <a:rPr lang="en-US" altLang="zh-CN" sz="2000" b="1" dirty="0">
-                <a:solidFill>
-                  <a:schemeClr val="folHlink"/>
-                </a:solidFill>
-                <a:latin typeface="Courier New" panose="02070309020205020404" pitchFamily="49" charset="0"/>
-              </a:rPr>
-              <a:t>(complex c1, complex c2);</a:t>
+                  <a:srgbClr val="0432FF"/>
+                </a:solidFill>
+                <a:latin typeface="Courier New" panose="02070309020205020404" pitchFamily="49" charset="0"/>
+              </a:rPr>
+              <a:t>Complex_t</a:t>
+            </a:r>
+            <a:r>
+              <a:rPr lang="en-US" altLang="zh-CN" sz="2000" b="1" dirty="0">
+                <a:solidFill>
+                  <a:srgbClr val="0432FF"/>
+                </a:solidFill>
+                <a:latin typeface="Courier New" panose="02070309020205020404" pitchFamily="49" charset="0"/>
+              </a:rPr>
+              <a:t> </a:t>
+            </a:r>
+            <a:r>
+              <a:rPr lang="en-US" altLang="zh-CN" sz="2000" b="1" dirty="0" err="1">
+                <a:solidFill>
+                  <a:srgbClr val="0432FF"/>
+                </a:solidFill>
+                <a:latin typeface="Courier New" panose="02070309020205020404" pitchFamily="49" charset="0"/>
+              </a:rPr>
+              <a:t>Complex_div</a:t>
+            </a:r>
+            <a:r>
+              <a:rPr lang="en-US" altLang="zh-CN" sz="2000" b="1" dirty="0">
+                <a:solidFill>
+                  <a:srgbClr val="0432FF"/>
+                </a:solidFill>
+                <a:latin typeface="Courier New" panose="02070309020205020404" pitchFamily="49" charset="0"/>
+              </a:rPr>
+              <a:t>(</a:t>
+            </a:r>
+            <a:r>
+              <a:rPr lang="en-US" altLang="zh-CN" sz="2000" b="1" dirty="0" err="1">
+                <a:solidFill>
+                  <a:srgbClr val="0432FF"/>
+                </a:solidFill>
+                <a:latin typeface="Courier New" panose="02070309020205020404" pitchFamily="49" charset="0"/>
+              </a:rPr>
+              <a:t>Complex_t</a:t>
+            </a:r>
+            <a:r>
+              <a:rPr lang="en-US" altLang="zh-CN" sz="2000" b="1" dirty="0">
+                <a:solidFill>
+                  <a:srgbClr val="0432FF"/>
+                </a:solidFill>
+                <a:latin typeface="Courier New" panose="02070309020205020404" pitchFamily="49" charset="0"/>
+              </a:rPr>
+              <a:t> c1, </a:t>
+            </a:r>
+            <a:r>
+              <a:rPr lang="en-US" altLang="zh-CN" sz="2000" b="1" dirty="0" err="1">
+                <a:solidFill>
+                  <a:srgbClr val="0432FF"/>
+                </a:solidFill>
+                <a:latin typeface="Courier New" panose="02070309020205020404" pitchFamily="49" charset="0"/>
+              </a:rPr>
+              <a:t>Complex_t</a:t>
+            </a:r>
+            <a:r>
+              <a:rPr lang="en-US" altLang="zh-CN" sz="2000" b="1" dirty="0">
+                <a:solidFill>
+                  <a:srgbClr val="0432FF"/>
+                </a:solidFill>
+                <a:latin typeface="Courier New" panose="02070309020205020404" pitchFamily="49" charset="0"/>
+              </a:rPr>
+              <a:t> c2);</a:t>
             </a:r>
           </a:p>
           <a:p>
@@ -9247,7 +9628,7 @@
             <a:r>
               <a:rPr lang="en-US" altLang="zh-CN" sz="2000" b="1" dirty="0">
                 <a:solidFill>
-                  <a:schemeClr val="folHlink"/>
+                  <a:srgbClr val="0432FF"/>
                 </a:solidFill>
                 <a:latin typeface="Courier New" panose="02070309020205020404" pitchFamily="49" charset="0"/>
               </a:rPr>
@@ -9256,7 +9637,7 @@
             <a:r>
               <a:rPr lang="en-US" altLang="zh-CN" sz="2000" b="1" dirty="0" err="1">
                 <a:solidFill>
-                  <a:schemeClr val="folHlink"/>
+                  <a:srgbClr val="0432FF"/>
                 </a:solidFill>
                 <a:latin typeface="Courier New" panose="02070309020205020404" pitchFamily="49" charset="0"/>
               </a:rPr>
@@ -9265,7 +9646,7 @@
             <a:r>
               <a:rPr lang="en-US" altLang="zh-CN" sz="2000" b="1" dirty="0">
                 <a:solidFill>
-                  <a:schemeClr val="folHlink"/>
+                  <a:srgbClr val="0432FF"/>
                 </a:solidFill>
                 <a:latin typeface="Courier New" panose="02070309020205020404" pitchFamily="49" charset="0"/>
               </a:rPr>
@@ -9283,7 +9664,7 @@
             <a:r>
               <a:rPr lang="en-US" altLang="zh-CN" sz="2000" b="1" dirty="0">
                 <a:solidFill>
-                  <a:schemeClr val="folHlink"/>
+                  <a:srgbClr val="0432FF"/>
                 </a:solidFill>
                 <a:latin typeface="Courier New" panose="02070309020205020404" pitchFamily="49" charset="0"/>
               </a:rPr>
@@ -9300,7 +9681,7 @@
             </a:pPr>
             <a:endParaRPr lang="en-US" altLang="zh-CN" sz="2000" b="1" dirty="0">
               <a:solidFill>
-                <a:schemeClr val="folHlink"/>
+                <a:srgbClr val="0432FF"/>
               </a:solidFill>
               <a:latin typeface="Courier New" panose="02070309020205020404" pitchFamily="49" charset="0"/>
             </a:endParaRPr>
@@ -9316,7 +9697,7 @@
             <a:r>
               <a:rPr lang="en-US" altLang="zh-CN" sz="2000" b="1" dirty="0">
                 <a:solidFill>
-                  <a:schemeClr val="folHlink"/>
+                  <a:srgbClr val="0432FF"/>
                 </a:solidFill>
                 <a:latin typeface="Courier New" panose="02070309020205020404" pitchFamily="49" charset="0"/>
               </a:rPr>
@@ -9325,7 +9706,7 @@
             <a:r>
               <a:rPr lang="en-US" altLang="zh-CN" sz="2000" b="1" dirty="0" err="1">
                 <a:solidFill>
-                  <a:schemeClr val="folHlink"/>
+                  <a:srgbClr val="0432FF"/>
                 </a:solidFill>
                 <a:latin typeface="Courier New" panose="02070309020205020404" pitchFamily="49" charset="0"/>
               </a:rPr>
@@ -9334,7 +9715,7 @@
             <a:r>
               <a:rPr lang="en-US" altLang="zh-CN" sz="2000" b="1" dirty="0">
                 <a:solidFill>
-                  <a:schemeClr val="folHlink"/>
+                  <a:srgbClr val="0432FF"/>
                 </a:solidFill>
                 <a:latin typeface="Courier New" panose="02070309020205020404" pitchFamily="49" charset="0"/>
               </a:rPr>
@@ -9352,7 +9733,7 @@
             <a:r>
               <a:rPr lang="en-US" altLang="zh-CN" sz="2000" b="1" dirty="0">
                 <a:solidFill>
-                  <a:schemeClr val="folHlink"/>
+                  <a:srgbClr val="0432FF"/>
                 </a:solidFill>
                 <a:latin typeface="Courier New" panose="02070309020205020404" pitchFamily="49" charset="0"/>
               </a:rPr>
@@ -9370,7 +9751,7 @@
             <a:r>
               <a:rPr lang="en-US" altLang="zh-CN" sz="2000" b="1" dirty="0">
                 <a:solidFill>
-                  <a:schemeClr val="folHlink"/>
+                  <a:srgbClr val="0432FF"/>
                 </a:solidFill>
                 <a:latin typeface="Courier New" panose="02070309020205020404" pitchFamily="49" charset="0"/>
               </a:rPr>
@@ -9388,7 +9769,7 @@
             <a:r>
               <a:rPr lang="en-US" altLang="zh-CN" sz="2000" b="1" dirty="0">
                 <a:solidFill>
-                  <a:schemeClr val="folHlink"/>
+                  <a:srgbClr val="0432FF"/>
                 </a:solidFill>
                 <a:latin typeface="Courier New" panose="02070309020205020404" pitchFamily="49" charset="0"/>
               </a:rPr>
@@ -9406,7 +9787,7 @@
             <a:r>
               <a:rPr lang="en-US" altLang="zh-CN" sz="2000" b="1" dirty="0">
                 <a:solidFill>
-                  <a:schemeClr val="folHlink"/>
+                  <a:srgbClr val="0432FF"/>
                 </a:solidFill>
                 <a:latin typeface="Courier New" panose="02070309020205020404" pitchFamily="49" charset="0"/>
               </a:rPr>
@@ -9415,7 +9796,7 @@
             <a:r>
               <a:rPr lang="en-US" altLang="zh-CN" sz="2000" b="1" dirty="0" err="1">
                 <a:solidFill>
-                  <a:schemeClr val="folHlink"/>
+                  <a:srgbClr val="0432FF"/>
                 </a:solidFill>
                 <a:latin typeface="Courier New" panose="02070309020205020404" pitchFamily="49" charset="0"/>
               </a:rPr>
@@ -9424,7 +9805,7 @@
             <a:r>
               <a:rPr lang="en-US" altLang="zh-CN" sz="2000" b="1" dirty="0">
                 <a:solidFill>
-                  <a:schemeClr val="folHlink"/>
+                  <a:srgbClr val="0432FF"/>
                 </a:solidFill>
                 <a:latin typeface="Courier New" panose="02070309020205020404" pitchFamily="49" charset="0"/>
               </a:rPr>
@@ -9433,7 +9814,7 @@
             <a:r>
               <a:rPr lang="en-US" altLang="zh-CN" sz="2000" b="1" dirty="0" err="1">
                 <a:solidFill>
-                  <a:schemeClr val="folHlink"/>
+                  <a:srgbClr val="0432FF"/>
                 </a:solidFill>
                 <a:latin typeface="Courier New" panose="02070309020205020404" pitchFamily="49" charset="0"/>
               </a:rPr>
@@ -9442,7 +9823,7 @@
             <a:r>
               <a:rPr lang="en-US" altLang="zh-CN" sz="2000" b="1" dirty="0">
                 <a:solidFill>
-                  <a:schemeClr val="folHlink"/>
+                  <a:srgbClr val="0432FF"/>
                 </a:solidFill>
                 <a:latin typeface="Courier New" panose="02070309020205020404" pitchFamily="49" charset="0"/>
               </a:rPr>
@@ -9459,7 +9840,7 @@
             </a:pPr>
             <a:endParaRPr lang="en-US" altLang="zh-CN" sz="2000" b="1" dirty="0">
               <a:solidFill>
-                <a:schemeClr val="folHlink"/>
+                <a:srgbClr val="0432FF"/>
               </a:solidFill>
               <a:latin typeface="Courier New" panose="02070309020205020404" pitchFamily="49" charset="0"/>
             </a:endParaRPr>
@@ -9475,7 +9856,7 @@
             <a:r>
               <a:rPr lang="en-US" altLang="zh-CN" sz="2000" b="1" dirty="0" err="1">
                 <a:solidFill>
-                  <a:schemeClr val="folHlink"/>
+                  <a:srgbClr val="0432FF"/>
                 </a:solidFill>
                 <a:latin typeface="Courier New" panose="02070309020205020404" pitchFamily="49" charset="0"/>
               </a:rPr>
@@ -9484,7 +9865,7 @@
             <a:r>
               <a:rPr lang="en-US" altLang="zh-CN" sz="2000" b="1" dirty="0">
                 <a:solidFill>
-                  <a:schemeClr val="folHlink"/>
+                  <a:srgbClr val="0432FF"/>
                 </a:solidFill>
                 <a:latin typeface="Courier New" panose="02070309020205020404" pitchFamily="49" charset="0"/>
               </a:rPr>
@@ -9493,7 +9874,7 @@
             <a:r>
               <a:rPr lang="en-US" altLang="zh-CN" sz="2000" b="1" dirty="0" err="1">
                 <a:solidFill>
-                  <a:schemeClr val="folHlink"/>
+                  <a:srgbClr val="0432FF"/>
                 </a:solidFill>
                 <a:latin typeface="Courier New" panose="02070309020205020404" pitchFamily="49" charset="0"/>
               </a:rPr>
@@ -9502,7 +9883,7 @@
             <a:r>
               <a:rPr lang="en-US" altLang="zh-CN" sz="2000" b="1" dirty="0">
                 <a:solidFill>
-                  <a:schemeClr val="folHlink"/>
+                  <a:srgbClr val="0432FF"/>
                 </a:solidFill>
                 <a:latin typeface="Courier New" panose="02070309020205020404" pitchFamily="49" charset="0"/>
               </a:rPr>
@@ -9535,7 +9916,7 @@
             <a:r>
               <a:rPr lang="en-US" altLang="zh-CN" sz="2000" b="1" dirty="0">
                 <a:solidFill>
-                  <a:schemeClr val="folHlink"/>
+                  <a:srgbClr val="0432FF"/>
                 </a:solidFill>
                 <a:latin typeface="Courier New" panose="02070309020205020404" pitchFamily="49" charset="0"/>
               </a:rPr>
@@ -9553,7 +9934,7 @@
             <a:r>
               <a:rPr lang="en-US" altLang="zh-CN" sz="2000" b="1" dirty="0">
                 <a:solidFill>
-                  <a:schemeClr val="folHlink"/>
+                  <a:srgbClr val="0432FF"/>
                 </a:solidFill>
                 <a:latin typeface="Courier New" panose="02070309020205020404" pitchFamily="49" charset="0"/>
               </a:rPr>

--- a/courses/sysprog/slides/lec10-adt.pptx
+++ b/courses/sysprog/slides/lec10-adt.pptx
@@ -4543,15 +4543,8 @@
           <a:lstStyle/>
           <a:p>
             <a:r>
-              <a:rPr lang="en-US" altLang="zh-CN"/>
-              <a:t>CDT Complex: </a:t>
-            </a:r>
-            <a:br>
-              <a:rPr lang="en-US" altLang="zh-CN"/>
-            </a:br>
-            <a:r>
-              <a:rPr lang="en-US" altLang="zh-CN"/>
-              <a:t>Implementation</a:t>
+              <a:rPr lang="en-US" altLang="zh-CN" dirty="0"/>
+              <a:t>CDT Implementation</a:t>
             </a:r>
           </a:p>
         </p:txBody>
@@ -4582,13 +4575,13 @@
               <a:rPr lang="en-US" altLang="zh-CN" sz="2000" b="1" dirty="0">
                 <a:latin typeface="Courier New" panose="02070309020205020404" pitchFamily="49" charset="0"/>
               </a:rPr>
-              <a:t>// In a file “</a:t>
+              <a:t>// In a file “complex-</a:t>
             </a:r>
             <a:r>
               <a:rPr lang="en-US" altLang="zh-CN" sz="2000" b="1" dirty="0" err="1">
                 <a:latin typeface="Courier New" panose="02070309020205020404" pitchFamily="49" charset="0"/>
               </a:rPr>
-              <a:t>complex.c</a:t>
+              <a:t>cdt.c</a:t>
             </a:r>
             <a:r>
               <a:rPr lang="en-US" altLang="zh-CN" sz="2000" b="1" dirty="0">
@@ -4612,7 +4605,7 @@
                 </a:solidFill>
                 <a:latin typeface="Courier New" panose="02070309020205020404" pitchFamily="49" charset="0"/>
               </a:rPr>
-              <a:t>#include “</a:t>
+              <a:t>#include “complex-</a:t>
             </a:r>
             <a:r>
               <a:rPr lang="en-US" altLang="zh-CN" sz="2000" b="1" dirty="0" err="1">
@@ -4621,7 +4614,7 @@
                 </a:solidFill>
                 <a:latin typeface="Courier New" panose="02070309020205020404" pitchFamily="49" charset="0"/>
               </a:rPr>
-              <a:t>complex.h</a:t>
+              <a:t>cdt.h</a:t>
             </a:r>
             <a:r>
               <a:rPr lang="en-US" altLang="zh-CN" sz="2000" b="1" dirty="0">
@@ -4795,7 +4788,7 @@
               <a:rPr lang="en-US" altLang="zh-CN" sz="2000" b="1" dirty="0">
                 <a:latin typeface="Courier New" panose="02070309020205020404" pitchFamily="49" charset="0"/>
               </a:rPr>
-              <a:t>// other functions are similar. See Lab1</a:t>
+              <a:t>// other functions are similar. Leave to you.</a:t>
             </a:r>
           </a:p>
         </p:txBody>
@@ -5096,7 +5089,22 @@
               <a:rPr lang="en-US" altLang="zh-CN" sz="2000" b="1" dirty="0">
                 <a:latin typeface="Courier New" panose="02070309020205020404" pitchFamily="49" charset="0"/>
               </a:rPr>
-              <a:t>// Want to do this: c = c + (5+i6);</a:t>
+              <a:t>// Do not enforce abstraction.</a:t>
+            </a:r>
+          </a:p>
+          <a:p>
+            <a:pPr>
+              <a:lnSpc>
+                <a:spcPct val="80000"/>
+              </a:lnSpc>
+              <a:buFont typeface="Wingdings" panose="05000000000000000000" pitchFamily="2" charset="2"/>
+              <a:buNone/>
+            </a:pPr>
+            <a:r>
+              <a:rPr lang="en-US" altLang="zh-CN" sz="2000" b="1" dirty="0">
+                <a:latin typeface="Courier New" panose="02070309020205020404" pitchFamily="49" charset="0"/>
+              </a:rPr>
+              <a:t>  // E.g., to write this: c = c + (5+i6);</a:t>
             </a:r>
           </a:p>
           <a:p>
@@ -5366,7 +5374,7 @@
                 </a:solidFill>
                 <a:latin typeface="Courier New" panose="02070309020205020404" pitchFamily="49" charset="0"/>
               </a:rPr>
-              <a:t> COMPLEX_H</a:t>
+              <a:t> COMPLEX_CDT_H</a:t>
             </a:r>
           </a:p>
           <a:p>
@@ -5384,7 +5392,7 @@
                 </a:solidFill>
                 <a:latin typeface="Courier New" panose="02070309020205020404" pitchFamily="49" charset="0"/>
               </a:rPr>
-              <a:t>#define COMPLEX_H</a:t>
+              <a:t>#define COMPLEX_CDT_H</a:t>
             </a:r>
           </a:p>
           <a:p>
@@ -5450,7 +5458,7 @@
               <a:rPr lang="en-US" altLang="zh-CN" sz="2000" b="1" dirty="0">
                 <a:latin typeface="Courier New" panose="02070309020205020404" pitchFamily="49" charset="0"/>
               </a:rPr>
-              <a:t>	// change to a more fancy one? Defeat “main”…</a:t>
+              <a:t>	// change to a more fancy one?</a:t>
             </a:r>
           </a:p>
           <a:p>
@@ -5773,21 +5781,21 @@
             </a:r>
             <a:r>
               <a:rPr lang="en-US" altLang="zh-CN" sz="2800" dirty="0"/>
-              <a:t>dependence</a:t>
+              <a:t>dependency:</a:t>
             </a:r>
           </a:p>
           <a:p>
             <a:pPr lvl="1"/>
             <a:r>
               <a:rPr lang="en-US" altLang="zh-CN" sz="2400" dirty="0"/>
-              <a:t>Problem #1: Client code can access data directly</a:t>
+              <a:t>Problem #1: abstraction lost</a:t>
             </a:r>
           </a:p>
           <a:p>
             <a:pPr lvl="2"/>
             <a:r>
               <a:rPr lang="en-US" altLang="zh-CN" sz="2000" dirty="0"/>
-              <a:t>kick away the interface</a:t>
+              <a:t>Client code can access data directly </a:t>
             </a:r>
           </a:p>
           <a:p>
@@ -5801,14 +5809,14 @@
             <a:pPr lvl="1"/>
             <a:r>
               <a:rPr lang="en-US" altLang="zh-CN" sz="2400" dirty="0"/>
-              <a:t>Problem #2: make code rigid</a:t>
+              <a:t>Problem #2: rigidity</a:t>
             </a:r>
           </a:p>
           <a:p>
             <a:pPr lvl="2"/>
             <a:r>
               <a:rPr lang="en-US" altLang="zh-CN" sz="2000" dirty="0"/>
-              <a:t>easy to change or evolve?</a:t>
+              <a:t>easy to maintain or evolve?</a:t>
             </a:r>
           </a:p>
         </p:txBody>
@@ -5854,24 +5862,17 @@
           <a:lstStyle/>
           <a:p>
             <a:r>
-              <a:rPr lang="en-US" altLang="zh-CN"/>
-              <a:t>ADT of Complex:</a:t>
-            </a:r>
-            <a:br>
-              <a:rPr lang="en-US" altLang="zh-CN"/>
-            </a:br>
-            <a:r>
-              <a:rPr lang="en-US" altLang="zh-CN"/>
-              <a:t>Interface</a:t>
-            </a:r>
-            <a:r>
-              <a:rPr lang="en-US" altLang="zh-CN">
+              <a:rPr lang="en-US" altLang="zh-CN" dirty="0"/>
+              <a:t>ADT Interface</a:t>
+            </a:r>
+            <a:r>
+              <a:rPr lang="en-US" altLang="zh-CN" dirty="0">
                 <a:latin typeface="Arial" panose="020B0604020202020204" pitchFamily="34" charset="0"/>
               </a:rPr>
               <a:t>—</a:t>
             </a:r>
             <a:r>
-              <a:rPr lang="en-US" altLang="zh-CN"/>
+              <a:rPr lang="en-US" altLang="zh-CN" dirty="0"/>
               <a:t>Types</a:t>
             </a:r>
           </a:p>
@@ -5903,13 +5904,13 @@
               <a:rPr lang="en-US" altLang="zh-CN" sz="2000" b="1" dirty="0">
                 <a:latin typeface="Courier New" panose="02070309020205020404" pitchFamily="49" charset="0"/>
               </a:rPr>
-              <a:t>// In file “</a:t>
+              <a:t>// In file “complex-</a:t>
             </a:r>
             <a:r>
               <a:rPr lang="en-US" altLang="zh-CN" sz="2000" b="1" dirty="0" err="1">
                 <a:latin typeface="Courier New" panose="02070309020205020404" pitchFamily="49" charset="0"/>
               </a:rPr>
-              <a:t>complex.h</a:t>
+              <a:t>adt.h</a:t>
             </a:r>
             <a:r>
               <a:rPr lang="en-US" altLang="zh-CN" sz="2000" b="1" dirty="0">
@@ -6053,7 +6054,7 @@
               <a:rPr lang="en-US" altLang="zh-CN" sz="2000" b="1" dirty="0">
                 <a:latin typeface="Courier New" panose="02070309020205020404" pitchFamily="49" charset="0"/>
               </a:rPr>
-              <a:t>not given:</a:t>
+              <a:t>not present:</a:t>
             </a:r>
           </a:p>
           <a:p>
@@ -6508,7 +6509,7 @@
                 </a:solidFill>
                 <a:latin typeface="Courier New" panose="02070309020205020404" pitchFamily="49" charset="0"/>
               </a:rPr>
-              <a:t>#include “</a:t>
+              <a:t>#include “complex-</a:t>
             </a:r>
             <a:r>
               <a:rPr lang="en-US" altLang="zh-CN" sz="2000" b="1" dirty="0" err="1">
@@ -6517,7 +6518,7 @@
                 </a:solidFill>
                 <a:latin typeface="Courier New" panose="02070309020205020404" pitchFamily="49" charset="0"/>
               </a:rPr>
-              <a:t>complex.h</a:t>
+              <a:t>adt.h</a:t>
             </a:r>
             <a:r>
               <a:rPr lang="en-US" altLang="zh-CN" sz="2000" b="1" dirty="0">
@@ -7076,18 +7077,8 @@
           <a:lstStyle/>
           <a:p>
             <a:r>
-              <a:rPr lang="en-US" altLang="zh-CN"/>
-              <a:t>ADT Complex: Implementation#1</a:t>
-            </a:r>
-            <a:r>
-              <a:rPr lang="en-US" altLang="zh-CN">
-                <a:latin typeface="Arial" panose="020B0604020202020204" pitchFamily="34" charset="0"/>
-              </a:rPr>
-              <a:t>—</a:t>
-            </a:r>
-            <a:r>
-              <a:rPr lang="en-US" altLang="zh-CN"/>
-              <a:t>Types</a:t>
+              <a:rPr lang="en-US" altLang="zh-CN" dirty="0"/>
+              <a:t>ADT Implementation: Types</a:t>
             </a:r>
           </a:p>
         </p:txBody>
@@ -7148,7 +7139,7 @@
                 </a:solidFill>
                 <a:latin typeface="Courier New" panose="02070309020205020404" pitchFamily="49" charset="0"/>
               </a:rPr>
-              <a:t>#include “</a:t>
+              <a:t>#include “complex-</a:t>
             </a:r>
             <a:r>
               <a:rPr lang="en-US" altLang="zh-CN" sz="2000" b="1" dirty="0" err="1">
@@ -7157,7 +7148,7 @@
                 </a:solidFill>
                 <a:latin typeface="Courier New" panose="02070309020205020404" pitchFamily="49" charset="0"/>
               </a:rPr>
-              <a:t>complex.h</a:t>
+              <a:t>adt.h</a:t>
             </a:r>
             <a:r>
               <a:rPr lang="en-US" altLang="zh-CN" sz="2000" b="1" dirty="0">
@@ -7384,14 +7375,7 @@
           <a:p>
             <a:r>
               <a:rPr lang="en-US" altLang="zh-CN" dirty="0"/>
-              <a:t>ADT Complex: </a:t>
-            </a:r>
-            <a:br>
-              <a:rPr lang="en-US" altLang="zh-CN" dirty="0"/>
-            </a:br>
-            <a:r>
-              <a:rPr lang="en-US" altLang="zh-CN" dirty="0"/>
-              <a:t>Implementation </a:t>
+              <a:t>ADT Implementation, </a:t>
             </a:r>
             <a:r>
               <a:rPr lang="en-US" altLang="zh-CN" dirty="0" err="1"/>
@@ -7460,7 +7444,7 @@
                 </a:solidFill>
                 <a:latin typeface="Courier New" panose="02070309020205020404" pitchFamily="49" charset="0"/>
               </a:rPr>
-              <a:t>#include “</a:t>
+              <a:t>#include “complex-</a:t>
             </a:r>
             <a:r>
               <a:rPr lang="en-US" altLang="zh-CN" sz="2000" b="1" dirty="0" err="1">
@@ -7469,7 +7453,7 @@
                 </a:solidFill>
                 <a:latin typeface="Courier New" panose="02070309020205020404" pitchFamily="49" charset="0"/>
               </a:rPr>
-              <a:t>complex.h</a:t>
+              <a:t>adt.h</a:t>
             </a:r>
             <a:r>
               <a:rPr lang="en-US" altLang="zh-CN" sz="2000" b="1" dirty="0">
@@ -7604,7 +7588,7 @@
               <a:t>calloc</a:t>
             </a:r>
             <a:r>
-              <a:rPr lang="en-US" altLang="zh-CN" sz="2000" b="1" dirty="0">
+              <a:rPr lang="en-US" altLang="zh-CN" sz="2000" b="1">
                 <a:solidFill>
                   <a:srgbClr val="0432FF"/>
                 </a:solidFill>
@@ -7613,7 +7597,7 @@
               <a:t>(1,</a:t>
             </a:r>
             <a:r>
-              <a:rPr lang="zh-CN" altLang="en-US" sz="2000" b="1" dirty="0">
+              <a:rPr lang="zh-CN" altLang="en-US" sz="2000" b="1">
                 <a:solidFill>
                   <a:srgbClr val="0432FF"/>
                 </a:solidFill>
@@ -7622,7 +7606,7 @@
               <a:t> </a:t>
             </a:r>
             <a:r>
-              <a:rPr lang="en-US" altLang="zh-CN" sz="2000" b="1" dirty="0" err="1">
+              <a:rPr lang="en-US" altLang="zh-CN" sz="2000" b="1">
                 <a:solidFill>
                   <a:srgbClr val="0432FF"/>
                 </a:solidFill>
@@ -7673,7 +7657,25 @@
                 </a:solidFill>
                 <a:latin typeface="Courier New" panose="02070309020205020404" pitchFamily="49" charset="0"/>
               </a:rPr>
-              <a:t>	c-&gt;y = y;  </a:t>
+              <a:t>	c-&gt;y = y;</a:t>
+            </a:r>
+          </a:p>
+          <a:p>
+            <a:pPr>
+              <a:lnSpc>
+                <a:spcPct val="90000"/>
+              </a:lnSpc>
+              <a:buFont typeface="Wingdings" panose="05000000000000000000" pitchFamily="2" charset="2"/>
+              <a:buNone/>
+            </a:pPr>
+            <a:r>
+              <a:rPr lang="en-US" altLang="zh-CN" sz="2000" b="1" dirty="0">
+                <a:solidFill>
+                  <a:srgbClr val="0432FF"/>
+                </a:solidFill>
+                <a:latin typeface="Courier New" panose="02070309020205020404" pitchFamily="49" charset="0"/>
+              </a:rPr>
+              <a:t> </a:t>
             </a:r>
           </a:p>
           <a:p>
@@ -7770,7 +7772,7 @@
                                         <p:tgtEl>
                                           <p:spTgt spid="237571">
                                             <p:txEl>
-                                              <p:pRg st="9" end="9"/>
+                                              <p:pRg st="10" end="10"/>
                                             </p:txEl>
                                           </p:spTgt>
                                         </p:tgtEl>
@@ -7788,7 +7790,7 @@
                                         <p:tgtEl>
                                           <p:spTgt spid="237571">
                                             <p:txEl>
-                                              <p:pRg st="9" end="9"/>
+                                              <p:pRg st="10" end="10"/>
                                             </p:txEl>
                                           </p:spTgt>
                                         </p:tgtEl>
@@ -8251,7 +8253,7 @@
               </a:lnSpc>
             </a:pPr>
             <a:r>
-              <a:rPr lang="en-US" altLang="zh-CN"/>
+              <a:rPr lang="en-US" altLang="zh-CN" dirty="0"/>
               <a:t>Predefined:</a:t>
             </a:r>
           </a:p>
@@ -8262,7 +8264,7 @@
               </a:lnSpc>
             </a:pPr>
             <a:r>
-              <a:rPr lang="en-US" altLang="zh-CN"/>
+              <a:rPr lang="en-US" altLang="zh-CN" dirty="0"/>
               <a:t>type: int</a:t>
             </a:r>
           </a:p>
@@ -8273,26 +8275,26 @@
               </a:lnSpc>
             </a:pPr>
             <a:r>
-              <a:rPr lang="en-US" altLang="zh-CN"/>
+              <a:rPr lang="en-US" altLang="zh-CN" dirty="0"/>
               <a:t>elements: </a:t>
             </a:r>
             <a:r>
-              <a:rPr lang="en-US" altLang="zh-CN">
+              <a:rPr lang="en-US" altLang="zh-CN" dirty="0">
                 <a:latin typeface="Helvetica" pitchFamily="2" charset="0"/>
               </a:rPr>
               <a:t>…</a:t>
             </a:r>
             <a:r>
-              <a:rPr lang="en-US" altLang="zh-CN"/>
+              <a:rPr lang="en-US" altLang="zh-CN" dirty="0"/>
               <a:t>, -2, -1, 0, 1, 2, </a:t>
             </a:r>
             <a:r>
-              <a:rPr lang="en-US" altLang="zh-CN">
+              <a:rPr lang="en-US" altLang="zh-CN" dirty="0">
                 <a:latin typeface="Helvetica" pitchFamily="2" charset="0"/>
               </a:rPr>
               <a:t>…</a:t>
             </a:r>
-            <a:endParaRPr lang="en-US" altLang="zh-CN"/>
+            <a:endParaRPr lang="en-US" altLang="zh-CN" dirty="0"/>
           </a:p>
           <a:p>
             <a:pPr lvl="1">
@@ -8301,16 +8303,16 @@
               </a:lnSpc>
             </a:pPr>
             <a:r>
-              <a:rPr lang="en-US" altLang="zh-CN"/>
+              <a:rPr lang="en-US" altLang="zh-CN" dirty="0"/>
               <a:t>operations: +, -, *, /, %, </a:t>
             </a:r>
             <a:r>
-              <a:rPr lang="en-US" altLang="zh-CN">
+              <a:rPr lang="en-US" altLang="zh-CN" dirty="0">
                 <a:latin typeface="Helvetica" pitchFamily="2" charset="0"/>
               </a:rPr>
               <a:t>…</a:t>
             </a:r>
-            <a:endParaRPr lang="en-US" altLang="zh-CN"/>
+            <a:endParaRPr lang="en-US" altLang="zh-CN" dirty="0"/>
           </a:p>
           <a:p>
             <a:pPr>
@@ -8319,7 +8321,7 @@
               </a:lnSpc>
             </a:pPr>
             <a:r>
-              <a:rPr lang="en-US" altLang="zh-CN"/>
+              <a:rPr lang="en-US" altLang="zh-CN" dirty="0"/>
               <a:t>User-defined:</a:t>
             </a:r>
           </a:p>
@@ -8330,7 +8332,7 @@
               </a:lnSpc>
             </a:pPr>
             <a:r>
-              <a:rPr lang="en-US" altLang="zh-CN"/>
+              <a:rPr lang="en-US" altLang="zh-CN" dirty="0"/>
               <a:t>type: complex</a:t>
             </a:r>
           </a:p>
@@ -8341,16 +8343,16 @@
               </a:lnSpc>
             </a:pPr>
             <a:r>
-              <a:rPr lang="en-US" altLang="zh-CN"/>
-              <a:t>elements: 1+3i, -5+8i, </a:t>
-            </a:r>
-            <a:r>
-              <a:rPr lang="en-US" altLang="zh-CN">
+              <a:rPr lang="en-US" altLang="zh-CN" dirty="0"/>
+              <a:t>elements: 1+3i, -9+8i, </a:t>
+            </a:r>
+            <a:r>
+              <a:rPr lang="en-US" altLang="zh-CN" dirty="0">
                 <a:latin typeface="Helvetica" pitchFamily="2" charset="0"/>
               </a:rPr>
               <a:t>…</a:t>
             </a:r>
-            <a:endParaRPr lang="en-US" altLang="zh-CN"/>
+            <a:endParaRPr lang="en-US" altLang="zh-CN" dirty="0"/>
           </a:p>
           <a:p>
             <a:pPr lvl="1">
@@ -8359,16 +8361,40 @@
               </a:lnSpc>
             </a:pPr>
             <a:r>
-              <a:rPr lang="en-US" altLang="zh-CN"/>
-              <a:t>operations: new, add, sub, distance, </a:t>
-            </a:r>
-            <a:r>
-              <a:rPr lang="en-US" altLang="zh-CN">
+              <a:rPr lang="en-US" altLang="zh-CN" dirty="0"/>
+              <a:t>operations: new, add, sub, </a:t>
+            </a:r>
+            <a:r>
+              <a:rPr lang="en-US" altLang="zh-CN" dirty="0" err="1"/>
+              <a:t>mult</a:t>
+            </a:r>
+            <a:r>
+              <a:rPr lang="en-US" altLang="zh-CN" dirty="0"/>
+              <a:t>,</a:t>
+            </a:r>
+            <a:r>
+              <a:rPr lang="zh-CN" altLang="en-US" dirty="0"/>
+              <a:t> </a:t>
+            </a:r>
+            <a:r>
+              <a:rPr lang="en-US" altLang="zh-CN" dirty="0"/>
+              <a:t>div,</a:t>
+            </a:r>
+            <a:r>
+              <a:rPr lang="zh-CN" altLang="en-US" dirty="0"/>
+              <a:t> </a:t>
+            </a:r>
+            <a:r>
+              <a:rPr lang="en-US" altLang="zh-CN" dirty="0"/>
+              <a:t>distance, </a:t>
+            </a:r>
+            <a:r>
+              <a:rPr lang="en-US" altLang="zh-CN" dirty="0">
                 <a:latin typeface="Helvetica" pitchFamily="2" charset="0"/>
               </a:rPr>
               <a:t>…</a:t>
             </a:r>
-            <a:endParaRPr lang="en-US" altLang="zh-CN"/>
+            <a:endParaRPr lang="en-US" altLang="zh-CN" dirty="0"/>
           </a:p>
         </p:txBody>
       </p:sp>
@@ -8435,77 +8461,63 @@
           <a:lstStyle/>
           <a:p>
             <a:r>
-              <a:rPr lang="en-US" altLang="zh-CN"/>
-              <a:t>An concrete data type:</a:t>
+              <a:rPr lang="en-US" altLang="zh-CN" dirty="0"/>
+              <a:t>A concrete data type:</a:t>
             </a:r>
           </a:p>
           <a:p>
             <a:pPr lvl="1"/>
             <a:r>
-              <a:rPr lang="en-US" altLang="zh-CN"/>
-              <a:t>both concrete representations and their operations are available</a:t>
-            </a:r>
-          </a:p>
-          <a:p>
-            <a:r>
-              <a:rPr lang="en-US" altLang="zh-CN"/>
+              <a:rPr lang="en-US" altLang="zh-CN" dirty="0"/>
+              <a:t>both concrete representations and their operations are transparent</a:t>
+            </a:r>
+          </a:p>
+          <a:p>
+            <a:r>
+              <a:rPr lang="en-US" altLang="zh-CN" dirty="0"/>
               <a:t>Almost all C predefined types are CDT</a:t>
             </a:r>
           </a:p>
           <a:p>
             <a:pPr lvl="1"/>
             <a:r>
-              <a:rPr lang="en-US" altLang="zh-CN"/>
+              <a:rPr lang="en-US" altLang="zh-CN" dirty="0"/>
               <a:t>For instance, </a:t>
             </a:r>
             <a:r>
-              <a:rPr lang="en-US" altLang="zh-CN">
+              <a:rPr lang="en-US" altLang="zh-CN" dirty="0">
                 <a:latin typeface="Helvetica" pitchFamily="2" charset="0"/>
               </a:rPr>
               <a:t>“</a:t>
             </a:r>
             <a:r>
-              <a:rPr lang="en-US" altLang="zh-CN"/>
+              <a:rPr lang="en-US" altLang="zh-CN" dirty="0"/>
               <a:t>int</a:t>
             </a:r>
             <a:r>
-              <a:rPr lang="en-US" altLang="zh-CN">
+              <a:rPr lang="en-US" altLang="zh-CN" dirty="0">
                 <a:latin typeface="Helvetica" pitchFamily="2" charset="0"/>
               </a:rPr>
               <a:t>”</a:t>
             </a:r>
             <a:r>
-              <a:rPr lang="en-US" altLang="zh-CN"/>
-              <a:t> is a 32-bit double-word, and +, -, </a:t>
-            </a:r>
-            <a:r>
-              <a:rPr lang="en-US" altLang="zh-CN">
+              <a:rPr lang="en-US" altLang="zh-CN" dirty="0"/>
+              <a:t> is a 32-bit word, and +, -, </a:t>
+            </a:r>
+            <a:r>
+              <a:rPr lang="en-US" altLang="zh-CN" dirty="0">
                 <a:latin typeface="Helvetica" pitchFamily="2" charset="0"/>
               </a:rPr>
               <a:t>…</a:t>
             </a:r>
-            <a:endParaRPr lang="en-US" altLang="zh-CN"/>
+            <a:endParaRPr lang="en-US" altLang="zh-CN" dirty="0"/>
           </a:p>
           <a:p>
             <a:pPr lvl="1"/>
             <a:r>
-              <a:rPr lang="en-US" altLang="zh-CN"/>
+              <a:rPr lang="en-US" altLang="zh-CN" dirty="0"/>
               <a:t>Knowing this can do dirty hacks</a:t>
             </a:r>
-          </a:p>
-          <a:p>
-            <a:pPr lvl="1"/>
-            <a:r>
-              <a:rPr lang="en-US" altLang="zh-CN"/>
-              <a:t>See demo</a:t>
-            </a:r>
-            <a:r>
-              <a:rPr lang="en-US" altLang="zh-CN">
-                <a:latin typeface="Helvetica" pitchFamily="2" charset="0"/>
-              </a:rPr>
-              <a:t>…</a:t>
-            </a:r>
-            <a:endParaRPr lang="en-US" altLang="zh-CN"/>
           </a:p>
         </p:txBody>
       </p:sp>
@@ -8577,7 +8589,7 @@
               </a:lnSpc>
             </a:pPr>
             <a:r>
-              <a:rPr lang="en-US" altLang="zh-CN" sz="2800"/>
+              <a:rPr lang="en-US" altLang="zh-CN" sz="2800" dirty="0"/>
               <a:t>An abstract data type:</a:t>
             </a:r>
           </a:p>
@@ -8588,7 +8600,7 @@
               </a:lnSpc>
             </a:pPr>
             <a:r>
-              <a:rPr lang="en-US" altLang="zh-CN" sz="2400"/>
+              <a:rPr lang="en-US" altLang="zh-CN" sz="2400" dirty="0"/>
               <a:t>separates data type declaration from representation</a:t>
             </a:r>
           </a:p>
@@ -8599,7 +8611,7 @@
               </a:lnSpc>
             </a:pPr>
             <a:r>
-              <a:rPr lang="en-US" altLang="zh-CN" sz="2400"/>
+              <a:rPr lang="en-US" altLang="zh-CN" sz="2400" dirty="0"/>
               <a:t>separates function declaration (prototypes) from implementation (definitions)</a:t>
             </a:r>
           </a:p>
@@ -8610,8 +8622,8 @@
               </a:lnSpc>
             </a:pPr>
             <a:r>
-              <a:rPr lang="en-US" altLang="zh-CN" sz="2800"/>
-              <a:t>A language must some form of mechanism to support ADT</a:t>
+              <a:rPr lang="en-US" altLang="zh-CN" sz="2800" dirty="0"/>
+              <a:t>A nontrivial language must provide some mechanisms to support ADT</a:t>
             </a:r>
           </a:p>
           <a:p>
@@ -8621,7 +8633,7 @@
               </a:lnSpc>
             </a:pPr>
             <a:r>
-              <a:rPr lang="en-US" altLang="zh-CN" sz="2400"/>
+              <a:rPr lang="en-US" altLang="zh-CN" sz="2400" dirty="0"/>
               <a:t>interfaces in Java</a:t>
             </a:r>
           </a:p>
@@ -8632,7 +8644,7 @@
               </a:lnSpc>
             </a:pPr>
             <a:r>
-              <a:rPr lang="en-US" altLang="zh-CN" sz="2400"/>
+              <a:rPr lang="en-US" altLang="zh-CN" sz="2400" dirty="0"/>
               <a:t>signatures in ML</a:t>
             </a:r>
           </a:p>
@@ -8643,8 +8655,20 @@
               </a:lnSpc>
             </a:pPr>
             <a:r>
-              <a:rPr lang="en-US" altLang="zh-CN" sz="2400"/>
-              <a:t>(roughly) header files &amp; typedef in C</a:t>
+              <a:rPr lang="en-US" altLang="zh-CN" sz="2400" dirty="0"/>
+              <a:t>(roughly) </a:t>
+            </a:r>
+            <a:r>
+              <a:rPr lang="en-US" altLang="zh-CN" sz="2400" dirty="0">
+                <a:solidFill>
+                  <a:srgbClr val="0432FF"/>
+                </a:solidFill>
+              </a:rPr>
+              <a:t>header files &amp; typedef</a:t>
+            </a:r>
+            <a:r>
+              <a:rPr lang="en-US" altLang="zh-CN" sz="2400" dirty="0"/>
+              <a:t> in C</a:t>
             </a:r>
           </a:p>
         </p:txBody>
@@ -8712,92 +8736,104 @@
           <a:lstStyle/>
           <a:p>
             <a:r>
-              <a:rPr lang="en-US" altLang="zh-CN"/>
+              <a:rPr lang="en-US" altLang="zh-CN" dirty="0"/>
               <a:t>Suppose we</a:t>
             </a:r>
             <a:r>
-              <a:rPr lang="en-US" altLang="zh-CN">
+              <a:rPr lang="en-US" altLang="zh-CN" dirty="0">
                 <a:latin typeface="Arial" panose="020B0604020202020204" pitchFamily="34" charset="0"/>
               </a:rPr>
-              <a:t>’</a:t>
-            </a:r>
-            <a:r>
-              <a:rPr lang="en-US" altLang="zh-CN"/>
-              <a:t>d design a new data type to represent complex number c: </a:t>
+              <a:t> are</a:t>
+            </a:r>
+            <a:r>
+              <a:rPr lang="en-US" altLang="zh-CN" dirty="0"/>
+              <a:t> designing a new data type to represent complex numbers: </a:t>
             </a:r>
           </a:p>
           <a:p>
             <a:pPr lvl="1"/>
             <a:r>
-              <a:rPr lang="en-US" altLang="zh-CN"/>
+              <a:rPr lang="en-US" altLang="zh-CN" dirty="0"/>
               <a:t>a data type </a:t>
             </a:r>
             <a:r>
-              <a:rPr lang="en-US" altLang="zh-CN">
+              <a:rPr lang="en-US" altLang="zh-CN" dirty="0">
                 <a:latin typeface="Arial" panose="020B0604020202020204" pitchFamily="34" charset="0"/>
               </a:rPr>
               <a:t>“</a:t>
             </a:r>
             <a:r>
-              <a:rPr lang="en-US" altLang="zh-CN"/>
+              <a:rPr lang="en-US" altLang="zh-CN" dirty="0">
+                <a:solidFill>
+                  <a:srgbClr val="0432FF"/>
+                </a:solidFill>
+              </a:rPr>
               <a:t>complex</a:t>
             </a:r>
             <a:r>
-              <a:rPr lang="en-US" altLang="zh-CN">
+              <a:rPr lang="en-US" altLang="zh-CN" dirty="0">
                 <a:latin typeface="Arial" panose="020B0604020202020204" pitchFamily="34" charset="0"/>
               </a:rPr>
               <a:t>”</a:t>
             </a:r>
-            <a:endParaRPr lang="en-US" altLang="zh-CN"/>
+            <a:endParaRPr lang="en-US" altLang="zh-CN" dirty="0"/>
           </a:p>
           <a:p>
             <a:pPr lvl="1"/>
             <a:r>
-              <a:rPr lang="en-US" altLang="zh-CN"/>
+              <a:rPr lang="en-US" altLang="zh-CN" dirty="0"/>
               <a:t>elements: 3+4i, -5-8i, </a:t>
             </a:r>
             <a:r>
-              <a:rPr lang="en-US" altLang="zh-CN">
+              <a:rPr lang="en-US" altLang="zh-CN" dirty="0">
                 <a:latin typeface="Arial" panose="020B0604020202020204" pitchFamily="34" charset="0"/>
               </a:rPr>
               <a:t>…</a:t>
             </a:r>
-            <a:endParaRPr lang="en-US" altLang="zh-CN"/>
+            <a:endParaRPr lang="en-US" altLang="zh-CN" dirty="0"/>
           </a:p>
           <a:p>
             <a:pPr lvl="1"/>
             <a:r>
-              <a:rPr lang="en-US" altLang="zh-CN"/>
+              <a:rPr lang="en-US" altLang="zh-CN" dirty="0"/>
               <a:t>operations: </a:t>
             </a:r>
           </a:p>
           <a:p>
             <a:pPr lvl="2"/>
             <a:r>
-              <a:rPr lang="en-US" altLang="zh-CN"/>
-              <a:t>new, add, sub, distance, </a:t>
-            </a:r>
-            <a:r>
-              <a:rPr lang="en-US" altLang="zh-CN">
+              <a:rPr lang="en-US" altLang="zh-CN" dirty="0"/>
+              <a:t>new, add, sub, </a:t>
+            </a:r>
+            <a:r>
+              <a:rPr lang="en-US" altLang="zh-CN" dirty="0" err="1"/>
+              <a:t>mult</a:t>
+            </a:r>
+            <a:r>
+              <a:rPr lang="en-US" altLang="zh-CN" dirty="0"/>
+              <a:t>, div, distance, </a:t>
+            </a:r>
+            <a:r>
+              <a:rPr lang="en-US" altLang="zh-CN" dirty="0">
                 <a:latin typeface="Arial" panose="020B0604020202020204" pitchFamily="34" charset="0"/>
               </a:rPr>
               <a:t>…</a:t>
             </a:r>
-            <a:endParaRPr lang="en-US" altLang="zh-CN"/>
-          </a:p>
-          <a:p>
-            <a:r>
-              <a:rPr lang="en-US" altLang="zh-CN"/>
-              <a:t>How to represent this data type in C (CDT, ADT or </a:t>
-            </a:r>
-            <a:r>
-              <a:rPr lang="en-US" altLang="zh-CN">
+            <a:endParaRPr lang="en-US" altLang="zh-CN" dirty="0"/>
+          </a:p>
+          <a:p>
+            <a:r>
+              <a:rPr lang="en-US" altLang="zh-CN" dirty="0"/>
+              <a:t>How to represent this data type in C (CDT, ADT, or </a:t>
+            </a:r>
+            <a:r>
+              <a:rPr lang="en-US" altLang="zh-CN" dirty="0">
                 <a:latin typeface="Arial" panose="020B0604020202020204" pitchFamily="34" charset="0"/>
               </a:rPr>
               <a:t>…</a:t>
             </a:r>
             <a:r>
-              <a:rPr lang="en-US" altLang="zh-CN"/>
+              <a:rPr lang="en-US" altLang="zh-CN" dirty="0"/>
               <a:t>)?</a:t>
             </a:r>
           </a:p>
@@ -8978,7 +9014,7 @@
               <a:rPr lang="en-US" altLang="zh-CN" sz="2000" b="1" dirty="0">
                 <a:latin typeface="Courier New" panose="02070309020205020404" pitchFamily="49" charset="0"/>
               </a:rPr>
-              <a:t>// Some typical operations:</a:t>
+              <a:t>// Typical operations:</a:t>
             </a:r>
           </a:p>
           <a:p>
@@ -9553,24 +9589,17 @@
           <a:lstStyle/>
           <a:p>
             <a:r>
-              <a:rPr lang="en-US" altLang="zh-CN"/>
-              <a:t>CDT of Complex:</a:t>
-            </a:r>
-            <a:br>
-              <a:rPr lang="en-US" altLang="zh-CN"/>
-            </a:br>
-            <a:r>
-              <a:rPr lang="en-US" altLang="zh-CN"/>
-              <a:t>Interface</a:t>
-            </a:r>
-            <a:r>
-              <a:rPr lang="en-US" altLang="zh-CN">
+              <a:rPr lang="en-US" altLang="zh-CN" dirty="0"/>
+              <a:t>CDT Interface</a:t>
+            </a:r>
+            <a:r>
+              <a:rPr lang="en-US" altLang="zh-CN" dirty="0">
                 <a:latin typeface="Arial" panose="020B0604020202020204" pitchFamily="34" charset="0"/>
               </a:rPr>
               <a:t>—</a:t>
             </a:r>
             <a:r>
-              <a:rPr lang="en-US" altLang="zh-CN"/>
+              <a:rPr lang="en-US" altLang="zh-CN" dirty="0"/>
               <a:t>Types</a:t>
             </a:r>
           </a:p>
@@ -9602,13 +9631,13 @@
               <a:rPr lang="en-US" altLang="zh-CN" sz="2000" b="1" dirty="0">
                 <a:latin typeface="Courier New" panose="02070309020205020404" pitchFamily="49" charset="0"/>
               </a:rPr>
-              <a:t>// In file “</a:t>
+              <a:t>// In file “complex-</a:t>
             </a:r>
             <a:r>
               <a:rPr lang="en-US" altLang="zh-CN" sz="2000" b="1" dirty="0" err="1">
                 <a:latin typeface="Courier New" panose="02070309020205020404" pitchFamily="49" charset="0"/>
               </a:rPr>
-              <a:t>complex.h</a:t>
+              <a:t>cdt.h</a:t>
             </a:r>
             <a:r>
               <a:rPr lang="en-US" altLang="zh-CN" sz="2000" b="1" dirty="0">
@@ -9650,7 +9679,7 @@
                 </a:solidFill>
                 <a:latin typeface="Courier New" panose="02070309020205020404" pitchFamily="49" charset="0"/>
               </a:rPr>
-              <a:t> COMPLEX_H</a:t>
+              <a:t> COMPLEX_CDT_H</a:t>
             </a:r>
           </a:p>
           <a:p>
@@ -9668,7 +9697,7 @@
                 </a:solidFill>
                 <a:latin typeface="Courier New" panose="02070309020205020404" pitchFamily="49" charset="0"/>
               </a:rPr>
-              <a:t>#define COMPLEX_H</a:t>
+              <a:t>#define COMPLEX_CDT_H</a:t>
             </a:r>
           </a:p>
           <a:p>
@@ -9922,6 +9951,21 @@
               </a:rPr>
               <a:t>…</a:t>
             </a:r>
+          </a:p>
+          <a:p>
+            <a:pPr>
+              <a:lnSpc>
+                <a:spcPct val="80000"/>
+              </a:lnSpc>
+              <a:buFont typeface="Wingdings" panose="05000000000000000000" pitchFamily="2" charset="2"/>
+              <a:buNone/>
+            </a:pPr>
+            <a:endParaRPr lang="en-US" altLang="zh-CN" sz="2000" b="1" dirty="0">
+              <a:solidFill>
+                <a:srgbClr val="0432FF"/>
+              </a:solidFill>
+              <a:latin typeface="Courier New" panose="02070309020205020404" pitchFamily="49" charset="0"/>
+            </a:endParaRPr>
           </a:p>
           <a:p>
             <a:pPr>
@@ -10016,7 +10060,7 @@
               <a:rPr lang="en-US" altLang="zh-CN" sz="2000" b="1" dirty="0">
                 <a:latin typeface="Courier New" panose="02070309020205020404" pitchFamily="49" charset="0"/>
               </a:rPr>
-              <a:t>// With this interface, we can write client codes </a:t>
+              <a:t>// With this interface, we can write client code </a:t>
             </a:r>
           </a:p>
           <a:p>
@@ -10031,7 +10075,7 @@
               <a:rPr lang="en-US" altLang="zh-CN" sz="2000" b="1" dirty="0">
                 <a:latin typeface="Courier New" panose="02070309020205020404" pitchFamily="49" charset="0"/>
               </a:rPr>
-              <a:t>// that manipulate complex numbers. File “</a:t>
+              <a:t>// manipulating complex numbers. File “</a:t>
             </a:r>
             <a:r>
               <a:rPr lang="en-US" altLang="zh-CN" sz="2000" b="1" dirty="0" err="1">
@@ -10061,7 +10105,7 @@
                 </a:solidFill>
                 <a:latin typeface="Courier New" panose="02070309020205020404" pitchFamily="49" charset="0"/>
               </a:rPr>
-              <a:t>#include “</a:t>
+              <a:t>#include “complex-</a:t>
             </a:r>
             <a:r>
               <a:rPr lang="en-US" altLang="zh-CN" sz="2000" b="1" dirty="0" err="1">
@@ -10070,7 +10114,7 @@
                 </a:solidFill>
                 <a:latin typeface="Courier New" panose="02070309020205020404" pitchFamily="49" charset="0"/>
               </a:rPr>
-              <a:t>complex.h</a:t>
+              <a:t>cdt.h</a:t>
             </a:r>
             <a:r>
               <a:rPr lang="en-US" altLang="zh-CN" sz="2000" b="1" dirty="0">
